--- a/lectures/week2/lecture2/slides/week2_lecture2.pptx
+++ b/lectures/week2/lecture2/slides/week2_lecture2.pptx
@@ -7,9 +7,9 @@
   <p:sldIdLst>
     <p:sldId id="256" r:id="rId2"/>
     <p:sldId id="259" r:id="rId3"/>
-    <p:sldId id="258" r:id="rId4"/>
-    <p:sldId id="283" r:id="rId5"/>
-    <p:sldId id="289" r:id="rId6"/>
+    <p:sldId id="283" r:id="rId4"/>
+    <p:sldId id="289" r:id="rId5"/>
+    <p:sldId id="327" r:id="rId6"/>
     <p:sldId id="288" r:id="rId7"/>
     <p:sldId id="290" r:id="rId8"/>
     <p:sldId id="291" r:id="rId9"/>
@@ -20,29 +20,27 @@
     <p:sldId id="298" r:id="rId14"/>
     <p:sldId id="302" r:id="rId15"/>
     <p:sldId id="303" r:id="rId16"/>
-    <p:sldId id="326" r:id="rId17"/>
-    <p:sldId id="306" r:id="rId18"/>
-    <p:sldId id="304" r:id="rId19"/>
-    <p:sldId id="305" r:id="rId20"/>
-    <p:sldId id="307" r:id="rId21"/>
-    <p:sldId id="273" r:id="rId22"/>
-    <p:sldId id="308" r:id="rId23"/>
-    <p:sldId id="325" r:id="rId24"/>
-    <p:sldId id="309" r:id="rId25"/>
-    <p:sldId id="310" r:id="rId26"/>
-    <p:sldId id="312" r:id="rId27"/>
-    <p:sldId id="313" r:id="rId28"/>
-    <p:sldId id="314" r:id="rId29"/>
-    <p:sldId id="315" r:id="rId30"/>
-    <p:sldId id="316" r:id="rId31"/>
-    <p:sldId id="322" r:id="rId32"/>
-    <p:sldId id="318" r:id="rId33"/>
-    <p:sldId id="319" r:id="rId34"/>
-    <p:sldId id="320" r:id="rId35"/>
-    <p:sldId id="321" r:id="rId36"/>
-    <p:sldId id="323" r:id="rId37"/>
-    <p:sldId id="324" r:id="rId38"/>
-    <p:sldId id="257" r:id="rId39"/>
+    <p:sldId id="306" r:id="rId17"/>
+    <p:sldId id="304" r:id="rId18"/>
+    <p:sldId id="305" r:id="rId19"/>
+    <p:sldId id="307" r:id="rId20"/>
+    <p:sldId id="273" r:id="rId21"/>
+    <p:sldId id="308" r:id="rId22"/>
+    <p:sldId id="309" r:id="rId23"/>
+    <p:sldId id="310" r:id="rId24"/>
+    <p:sldId id="312" r:id="rId25"/>
+    <p:sldId id="313" r:id="rId26"/>
+    <p:sldId id="314" r:id="rId27"/>
+    <p:sldId id="315" r:id="rId28"/>
+    <p:sldId id="316" r:id="rId29"/>
+    <p:sldId id="322" r:id="rId30"/>
+    <p:sldId id="318" r:id="rId31"/>
+    <p:sldId id="319" r:id="rId32"/>
+    <p:sldId id="320" r:id="rId33"/>
+    <p:sldId id="321" r:id="rId34"/>
+    <p:sldId id="323" r:id="rId35"/>
+    <p:sldId id="324" r:id="rId36"/>
+    <p:sldId id="257" r:id="rId37"/>
   </p:sldIdLst>
   <p:sldSz cx="12192000" cy="6858000"/>
   <p:notesSz cx="6858000" cy="9144000"/>
@@ -1369,7 +1367,15 @@
           <a:p>
             <a:r>
               <a:rPr lang="en-US" dirty="0"/>
-              <a:t>Writing Your Own Functions</a:t>
+              <a:t>writing your own function</a:t>
+            </a:r>
+            <a:r>
+              <a:rPr lang="en-US" dirty="0">
+                <a:solidFill>
+                  <a:schemeClr val="accent1"/>
+                </a:solidFill>
+              </a:rPr>
+              <a:t>.</a:t>
             </a:r>
           </a:p>
         </p:txBody>
@@ -3981,106 +3987,6 @@
           <p:cNvPr id="2" name="Title 1">
             <a:extLst>
               <a:ext uri="{FF2B5EF4-FFF2-40B4-BE49-F238E27FC236}">
-                <a16:creationId xmlns:a16="http://schemas.microsoft.com/office/drawing/2014/main" id="{281A398E-D404-4BE1-803D-C71B1E0D96FA}"/>
-              </a:ext>
-            </a:extLst>
-          </p:cNvPr>
-          <p:cNvSpPr>
-            <a:spLocks noGrp="1"/>
-          </p:cNvSpPr>
-          <p:nvPr>
-            <p:ph type="title"/>
-          </p:nvPr>
-        </p:nvSpPr>
-        <p:spPr/>
-        <p:txBody>
-          <a:bodyPr>
-            <a:normAutofit fontScale="90000"/>
-          </a:bodyPr>
-          <a:lstStyle/>
-          <a:p>
-            <a:r>
-              <a:rPr lang="en-US" b="1" dirty="0"/>
-              <a:t>Where are we now?</a:t>
-            </a:r>
-            <a:endParaRPr lang="en-US" dirty="0"/>
-          </a:p>
-        </p:txBody>
-      </p:sp>
-      <p:sp>
-        <p:nvSpPr>
-          <p:cNvPr id="3" name="Content Placeholder 2">
-            <a:extLst>
-              <a:ext uri="{FF2B5EF4-FFF2-40B4-BE49-F238E27FC236}">
-                <a16:creationId xmlns:a16="http://schemas.microsoft.com/office/drawing/2014/main" id="{727B086E-23E2-42DF-B732-550B58824B5E}"/>
-              </a:ext>
-            </a:extLst>
-          </p:cNvPr>
-          <p:cNvSpPr>
-            <a:spLocks noGrp="1"/>
-          </p:cNvSpPr>
-          <p:nvPr>
-            <p:ph idx="1"/>
-          </p:nvPr>
-        </p:nvSpPr>
-        <p:spPr/>
-        <p:txBody>
-          <a:bodyPr>
-            <a:normAutofit/>
-          </a:bodyPr>
-          <a:lstStyle/>
-          <a:p>
-            <a:r>
-              <a:rPr lang="en-US" sz="3600" dirty="0"/>
-              <a:t>6 steps to better functions</a:t>
-            </a:r>
-            <a:r>
-              <a:rPr lang="en-US" sz="3600" dirty="0">
-                <a:solidFill>
-                  <a:schemeClr val="accent6"/>
-                </a:solidFill>
-              </a:rPr>
-              <a:t>.</a:t>
-            </a:r>
-            <a:endParaRPr lang="en-US" sz="3600" dirty="0"/>
-          </a:p>
-        </p:txBody>
-      </p:sp>
-    </p:spTree>
-    <p:extLst>
-      <p:ext uri="{BB962C8B-B14F-4D97-AF65-F5344CB8AC3E}">
-        <p14:creationId xmlns:p14="http://schemas.microsoft.com/office/powerpoint/2010/main" val="2748160780"/>
-      </p:ext>
-    </p:extLst>
-  </p:cSld>
-  <p:clrMapOvr>
-    <a:masterClrMapping/>
-  </p:clrMapOvr>
-</p:sld>
-</file>
-
-<file path=ppt/slides/slide17.xml><?xml version="1.0" encoding="utf-8"?>
-<p:sld xmlns:a="http://schemas.openxmlformats.org/drawingml/2006/main" xmlns:r="http://schemas.openxmlformats.org/officeDocument/2006/relationships" xmlns:p="http://schemas.openxmlformats.org/presentationml/2006/main">
-  <p:cSld>
-    <p:spTree>
-      <p:nvGrpSpPr>
-        <p:cNvPr id="1" name=""/>
-        <p:cNvGrpSpPr/>
-        <p:nvPr/>
-      </p:nvGrpSpPr>
-      <p:grpSpPr>
-        <a:xfrm>
-          <a:off x="0" y="0"/>
-          <a:ext cx="0" cy="0"/>
-          <a:chOff x="0" y="0"/>
-          <a:chExt cx="0" cy="0"/>
-        </a:xfrm>
-      </p:grpSpPr>
-      <p:sp>
-        <p:nvSpPr>
-          <p:cNvPr id="2" name="Title 1">
-            <a:extLst>
-              <a:ext uri="{FF2B5EF4-FFF2-40B4-BE49-F238E27FC236}">
                 <a16:creationId xmlns:a16="http://schemas.microsoft.com/office/drawing/2014/main" id="{C4B22010-9A66-4A68-AF0A-6E9191BA3962}"/>
               </a:ext>
             </a:extLst>
@@ -4489,7 +4395,7 @@
 </p:sld>
 </file>
 
-<file path=ppt/slides/slide18.xml><?xml version="1.0" encoding="utf-8"?>
+<file path=ppt/slides/slide17.xml><?xml version="1.0" encoding="utf-8"?>
 <p:sld xmlns:a="http://schemas.openxmlformats.org/drawingml/2006/main" xmlns:r="http://schemas.openxmlformats.org/officeDocument/2006/relationships" xmlns:p="http://schemas.openxmlformats.org/presentationml/2006/main">
   <p:cSld>
     <p:spTree>
@@ -4822,7 +4728,7 @@
 </p:sld>
 </file>
 
-<file path=ppt/slides/slide19.xml><?xml version="1.0" encoding="utf-8"?>
+<file path=ppt/slides/slide18.xml><?xml version="1.0" encoding="utf-8"?>
 <p:sld xmlns:a="http://schemas.openxmlformats.org/drawingml/2006/main" xmlns:r="http://schemas.openxmlformats.org/officeDocument/2006/relationships" xmlns:p="http://schemas.openxmlformats.org/presentationml/2006/main">
   <p:cSld>
     <p:spTree>
@@ -5203,257 +5109,7 @@
 </p:sld>
 </file>
 
-<file path=ppt/slides/slide2.xml><?xml version="1.0" encoding="utf-8"?>
-<p:sld xmlns:a="http://schemas.openxmlformats.org/drawingml/2006/main" xmlns:r="http://schemas.openxmlformats.org/officeDocument/2006/relationships" xmlns:p="http://schemas.openxmlformats.org/presentationml/2006/main">
-  <p:cSld>
-    <p:spTree>
-      <p:nvGrpSpPr>
-        <p:cNvPr id="1" name=""/>
-        <p:cNvGrpSpPr/>
-        <p:nvPr/>
-      </p:nvGrpSpPr>
-      <p:grpSpPr>
-        <a:xfrm>
-          <a:off x="0" y="0"/>
-          <a:ext cx="0" cy="0"/>
-          <a:chOff x="0" y="0"/>
-          <a:chExt cx="0" cy="0"/>
-        </a:xfrm>
-      </p:grpSpPr>
-      <p:sp>
-        <p:nvSpPr>
-          <p:cNvPr id="2" name="Title 1">
-            <a:extLst>
-              <a:ext uri="{FF2B5EF4-FFF2-40B4-BE49-F238E27FC236}">
-                <a16:creationId xmlns:a16="http://schemas.microsoft.com/office/drawing/2014/main" id="{8969A57B-21DC-4557-9D2E-36BBF1E923C9}"/>
-              </a:ext>
-            </a:extLst>
-          </p:cNvPr>
-          <p:cNvSpPr>
-            <a:spLocks noGrp="1"/>
-          </p:cNvSpPr>
-          <p:nvPr>
-            <p:ph type="title"/>
-          </p:nvPr>
-        </p:nvSpPr>
-        <p:spPr/>
-        <p:txBody>
-          <a:bodyPr>
-            <a:normAutofit fontScale="90000"/>
-          </a:bodyPr>
-          <a:lstStyle/>
-          <a:p>
-            <a:r>
-              <a:rPr lang="en-US" dirty="0"/>
-              <a:t>This Week</a:t>
-            </a:r>
-            <a:r>
-              <a:rPr lang="en-US" dirty="0">
-                <a:solidFill>
-                  <a:schemeClr val="accent1"/>
-                </a:solidFill>
-              </a:rPr>
-              <a:t>’</a:t>
-            </a:r>
-            <a:r>
-              <a:rPr lang="en-US" dirty="0"/>
-              <a:t>s Content</a:t>
-            </a:r>
-          </a:p>
-        </p:txBody>
-      </p:sp>
-      <p:sp>
-        <p:nvSpPr>
-          <p:cNvPr id="3" name="Content Placeholder 2">
-            <a:extLst>
-              <a:ext uri="{FF2B5EF4-FFF2-40B4-BE49-F238E27FC236}">
-                <a16:creationId xmlns:a16="http://schemas.microsoft.com/office/drawing/2014/main" id="{7AB50049-8F6C-4DF3-BA59-31343B218CF3}"/>
-              </a:ext>
-            </a:extLst>
-          </p:cNvPr>
-          <p:cNvSpPr>
-            <a:spLocks noGrp="1"/>
-          </p:cNvSpPr>
-          <p:nvPr>
-            <p:ph idx="1"/>
-          </p:nvPr>
-        </p:nvSpPr>
-        <p:spPr/>
-        <p:txBody>
-          <a:bodyPr/>
-          <a:lstStyle/>
-          <a:p>
-            <a:r>
-              <a:rPr lang="en-US" b="1" dirty="0"/>
-              <a:t>Lecture </a:t>
-            </a:r>
-            <a:r>
-              <a:rPr lang="en-US" b="1" dirty="0">
-                <a:solidFill>
-                  <a:schemeClr val="accent1"/>
-                </a:solidFill>
-              </a:rPr>
-              <a:t>2.1</a:t>
-            </a:r>
-          </a:p>
-          <a:p>
-            <a:pPr lvl="1"/>
-            <a:r>
-              <a:rPr lang="en-US" dirty="0"/>
-              <a:t>Functions</a:t>
-            </a:r>
-            <a:r>
-              <a:rPr lang="en-US" dirty="0">
-                <a:solidFill>
-                  <a:schemeClr val="accent1"/>
-                </a:solidFill>
-              </a:rPr>
-              <a:t>,</a:t>
-            </a:r>
-            <a:r>
-              <a:rPr lang="en-US" dirty="0"/>
-              <a:t> input </a:t>
-            </a:r>
-            <a:r>
-              <a:rPr lang="en-US" dirty="0">
-                <a:solidFill>
-                  <a:schemeClr val="accent1"/>
-                </a:solidFill>
-              </a:rPr>
-              <a:t>&amp;</a:t>
-            </a:r>
-            <a:r>
-              <a:rPr lang="en-US" dirty="0"/>
-              <a:t> output</a:t>
-            </a:r>
-            <a:r>
-              <a:rPr lang="en-US" dirty="0">
-                <a:solidFill>
-                  <a:schemeClr val="accent1"/>
-                </a:solidFill>
-              </a:rPr>
-              <a:t>,</a:t>
-            </a:r>
-            <a:r>
-              <a:rPr lang="en-US" dirty="0"/>
-              <a:t> importing modules</a:t>
-            </a:r>
-          </a:p>
-          <a:p>
-            <a:pPr lvl="1"/>
-            <a:r>
-              <a:rPr lang="en-US" dirty="0"/>
-              <a:t>Reading</a:t>
-            </a:r>
-            <a:r>
-              <a:rPr lang="en-US" dirty="0">
-                <a:solidFill>
-                  <a:schemeClr val="accent1"/>
-                </a:solidFill>
-              </a:rPr>
-              <a:t>:</a:t>
-            </a:r>
-            <a:r>
-              <a:rPr lang="en-US" dirty="0"/>
-              <a:t> 3.1-3.10 </a:t>
-            </a:r>
-            <a:r>
-              <a:rPr lang="en-US" dirty="0">
-                <a:solidFill>
-                  <a:schemeClr val="accent1"/>
-                </a:solidFill>
-              </a:rPr>
-              <a:t>and</a:t>
-            </a:r>
-            <a:r>
-              <a:rPr lang="en-US" dirty="0"/>
-              <a:t> 4.4-4.5</a:t>
-            </a:r>
-          </a:p>
-          <a:p>
-            <a:r>
-              <a:rPr lang="en-US" b="1" dirty="0"/>
-              <a:t>Lecture </a:t>
-            </a:r>
-            <a:r>
-              <a:rPr lang="en-US" b="1" dirty="0">
-                <a:solidFill>
-                  <a:schemeClr val="accent1"/>
-                </a:solidFill>
-              </a:rPr>
-              <a:t>2.2</a:t>
-            </a:r>
-          </a:p>
-          <a:p>
-            <a:pPr lvl="1"/>
-            <a:r>
-              <a:rPr lang="en-US" b="1" dirty="0"/>
-              <a:t>Defining your own function</a:t>
-            </a:r>
-          </a:p>
-          <a:p>
-            <a:pPr lvl="1"/>
-            <a:r>
-              <a:rPr lang="en-US" b="1" dirty="0"/>
-              <a:t>Reading: 6.1-6.2</a:t>
-            </a:r>
-          </a:p>
-          <a:p>
-            <a:r>
-              <a:rPr lang="en-US" b="1" dirty="0"/>
-              <a:t>Lecture </a:t>
-            </a:r>
-            <a:r>
-              <a:rPr lang="en-US" b="1" dirty="0">
-                <a:solidFill>
-                  <a:schemeClr val="accent1"/>
-                </a:solidFill>
-              </a:rPr>
-              <a:t>2.3</a:t>
-            </a:r>
-          </a:p>
-          <a:p>
-            <a:pPr lvl="1"/>
-            <a:r>
-              <a:rPr lang="en-US" dirty="0"/>
-              <a:t>Engineering design</a:t>
-            </a:r>
-          </a:p>
-          <a:p>
-            <a:pPr lvl="1"/>
-            <a:r>
-              <a:rPr lang="en-US" dirty="0"/>
-              <a:t>Design Problem</a:t>
-            </a:r>
-            <a:r>
-              <a:rPr lang="en-US" dirty="0">
-                <a:solidFill>
-                  <a:schemeClr val="accent1"/>
-                </a:solidFill>
-              </a:rPr>
-              <a:t>:</a:t>
-            </a:r>
-            <a:r>
-              <a:rPr lang="en-US" dirty="0"/>
-              <a:t> Forward Kinematics</a:t>
-            </a:r>
-          </a:p>
-        </p:txBody>
-      </p:sp>
-    </p:spTree>
-    <p:extLst>
-      <p:ext uri="{BB962C8B-B14F-4D97-AF65-F5344CB8AC3E}">
-        <p14:creationId xmlns:p14="http://schemas.microsoft.com/office/powerpoint/2010/main" val="2832463924"/>
-      </p:ext>
-    </p:extLst>
-  </p:cSld>
-  <p:clrMapOvr>
-    <a:masterClrMapping/>
-  </p:clrMapOvr>
-</p:sld>
-</file>
-
-<file path=ppt/slides/slide20.xml><?xml version="1.0" encoding="utf-8"?>
+<file path=ppt/slides/slide19.xml><?xml version="1.0" encoding="utf-8"?>
 <p:sld xmlns:a="http://schemas.openxmlformats.org/drawingml/2006/main" xmlns:r="http://schemas.openxmlformats.org/officeDocument/2006/relationships" xmlns:p="http://schemas.openxmlformats.org/presentationml/2006/main">
   <p:cSld>
     <p:spTree>
@@ -5759,7 +5415,245 @@
 </p:sld>
 </file>
 
-<file path=ppt/slides/slide21.xml><?xml version="1.0" encoding="utf-8"?>
+<file path=ppt/slides/slide2.xml><?xml version="1.0" encoding="utf-8"?>
+<p:sld xmlns:a="http://schemas.openxmlformats.org/drawingml/2006/main" xmlns:r="http://schemas.openxmlformats.org/officeDocument/2006/relationships" xmlns:p="http://schemas.openxmlformats.org/presentationml/2006/main">
+  <p:cSld>
+    <p:spTree>
+      <p:nvGrpSpPr>
+        <p:cNvPr id="1" name=""/>
+        <p:cNvGrpSpPr/>
+        <p:nvPr/>
+      </p:nvGrpSpPr>
+      <p:grpSpPr>
+        <a:xfrm>
+          <a:off x="0" y="0"/>
+          <a:ext cx="0" cy="0"/>
+          <a:chOff x="0" y="0"/>
+          <a:chExt cx="0" cy="0"/>
+        </a:xfrm>
+      </p:grpSpPr>
+      <p:sp>
+        <p:nvSpPr>
+          <p:cNvPr id="2" name="Title 1">
+            <a:extLst>
+              <a:ext uri="{FF2B5EF4-FFF2-40B4-BE49-F238E27FC236}">
+                <a16:creationId xmlns:a16="http://schemas.microsoft.com/office/drawing/2014/main" id="{8969A57B-21DC-4557-9D2E-36BBF1E923C9}"/>
+              </a:ext>
+            </a:extLst>
+          </p:cNvPr>
+          <p:cNvSpPr>
+            <a:spLocks noGrp="1"/>
+          </p:cNvSpPr>
+          <p:nvPr>
+            <p:ph type="title"/>
+          </p:nvPr>
+        </p:nvSpPr>
+        <p:spPr/>
+        <p:txBody>
+          <a:bodyPr>
+            <a:normAutofit fontScale="90000"/>
+          </a:bodyPr>
+          <a:lstStyle/>
+          <a:p>
+            <a:r>
+              <a:rPr lang="en-US" dirty="0"/>
+              <a:t>This Week</a:t>
+            </a:r>
+            <a:r>
+              <a:rPr lang="en-US" dirty="0">
+                <a:solidFill>
+                  <a:schemeClr val="accent1"/>
+                </a:solidFill>
+              </a:rPr>
+              <a:t>’</a:t>
+            </a:r>
+            <a:r>
+              <a:rPr lang="en-US" dirty="0"/>
+              <a:t>s Content</a:t>
+            </a:r>
+          </a:p>
+        </p:txBody>
+      </p:sp>
+      <p:sp>
+        <p:nvSpPr>
+          <p:cNvPr id="3" name="Content Placeholder 2">
+            <a:extLst>
+              <a:ext uri="{FF2B5EF4-FFF2-40B4-BE49-F238E27FC236}">
+                <a16:creationId xmlns:a16="http://schemas.microsoft.com/office/drawing/2014/main" id="{7AB50049-8F6C-4DF3-BA59-31343B218CF3}"/>
+              </a:ext>
+            </a:extLst>
+          </p:cNvPr>
+          <p:cNvSpPr>
+            <a:spLocks noGrp="1"/>
+          </p:cNvSpPr>
+          <p:nvPr>
+            <p:ph idx="1"/>
+          </p:nvPr>
+        </p:nvSpPr>
+        <p:spPr/>
+        <p:txBody>
+          <a:bodyPr/>
+          <a:lstStyle/>
+          <a:p>
+            <a:r>
+              <a:rPr lang="en-US" b="1" dirty="0"/>
+              <a:t>Lecture </a:t>
+            </a:r>
+            <a:r>
+              <a:rPr lang="en-US" b="1" dirty="0">
+                <a:solidFill>
+                  <a:schemeClr val="accent1"/>
+                </a:solidFill>
+              </a:rPr>
+              <a:t>2.1</a:t>
+            </a:r>
+          </a:p>
+          <a:p>
+            <a:pPr lvl="1"/>
+            <a:r>
+              <a:rPr lang="en-US" dirty="0"/>
+              <a:t>Functions</a:t>
+            </a:r>
+            <a:r>
+              <a:rPr lang="en-US" dirty="0">
+                <a:solidFill>
+                  <a:schemeClr val="accent1"/>
+                </a:solidFill>
+              </a:rPr>
+              <a:t>,</a:t>
+            </a:r>
+            <a:r>
+              <a:rPr lang="en-US" dirty="0"/>
+              <a:t> input </a:t>
+            </a:r>
+            <a:r>
+              <a:rPr lang="en-US" dirty="0">
+                <a:solidFill>
+                  <a:schemeClr val="accent1"/>
+                </a:solidFill>
+              </a:rPr>
+              <a:t>&amp;</a:t>
+            </a:r>
+            <a:r>
+              <a:rPr lang="en-US" dirty="0"/>
+              <a:t> output</a:t>
+            </a:r>
+            <a:r>
+              <a:rPr lang="en-US" dirty="0">
+                <a:solidFill>
+                  <a:schemeClr val="accent1"/>
+                </a:solidFill>
+              </a:rPr>
+              <a:t>,</a:t>
+            </a:r>
+            <a:r>
+              <a:rPr lang="en-US" dirty="0"/>
+              <a:t> importing modules</a:t>
+            </a:r>
+          </a:p>
+          <a:p>
+            <a:pPr lvl="1"/>
+            <a:r>
+              <a:rPr lang="en-US" dirty="0"/>
+              <a:t>Reading</a:t>
+            </a:r>
+            <a:r>
+              <a:rPr lang="en-US" dirty="0">
+                <a:solidFill>
+                  <a:schemeClr val="accent1"/>
+                </a:solidFill>
+              </a:rPr>
+              <a:t>:</a:t>
+            </a:r>
+            <a:r>
+              <a:rPr lang="en-US" dirty="0"/>
+              <a:t> Chapter 3</a:t>
+            </a:r>
+          </a:p>
+          <a:p>
+            <a:r>
+              <a:rPr lang="en-US" b="1" dirty="0"/>
+              <a:t>Lecture </a:t>
+            </a:r>
+            <a:r>
+              <a:rPr lang="en-US" b="1" dirty="0">
+                <a:solidFill>
+                  <a:schemeClr val="accent1"/>
+                </a:solidFill>
+              </a:rPr>
+              <a:t>2.2</a:t>
+            </a:r>
+          </a:p>
+          <a:p>
+            <a:pPr lvl="1"/>
+            <a:r>
+              <a:rPr lang="en-US" b="1" dirty="0"/>
+              <a:t>Defining your own function</a:t>
+            </a:r>
+          </a:p>
+          <a:p>
+            <a:pPr lvl="1"/>
+            <a:r>
+              <a:rPr lang="en-US" b="1" dirty="0"/>
+              <a:t>Reading: Chapter 3</a:t>
+            </a:r>
+          </a:p>
+          <a:p>
+            <a:r>
+              <a:rPr lang="en-US" b="1" dirty="0"/>
+              <a:t>Lecture </a:t>
+            </a:r>
+            <a:r>
+              <a:rPr lang="en-US" b="1" dirty="0">
+                <a:solidFill>
+                  <a:schemeClr val="accent1"/>
+                </a:solidFill>
+              </a:rPr>
+              <a:t>2.3</a:t>
+            </a:r>
+          </a:p>
+          <a:p>
+            <a:pPr lvl="1"/>
+            <a:r>
+              <a:rPr lang="en-US" dirty="0"/>
+              <a:t>Engineering design</a:t>
+            </a:r>
+          </a:p>
+          <a:p>
+            <a:pPr lvl="1"/>
+            <a:r>
+              <a:rPr lang="en-US" dirty="0"/>
+              <a:t>Design Problem</a:t>
+            </a:r>
+            <a:r>
+              <a:rPr lang="en-US" dirty="0">
+                <a:solidFill>
+                  <a:schemeClr val="accent1"/>
+                </a:solidFill>
+              </a:rPr>
+              <a:t>:</a:t>
+            </a:r>
+            <a:r>
+              <a:rPr lang="en-US" dirty="0"/>
+              <a:t> Forward Kinematics</a:t>
+            </a:r>
+          </a:p>
+        </p:txBody>
+      </p:sp>
+    </p:spTree>
+    <p:extLst>
+      <p:ext uri="{BB962C8B-B14F-4D97-AF65-F5344CB8AC3E}">
+        <p14:creationId xmlns:p14="http://schemas.microsoft.com/office/powerpoint/2010/main" val="2832463924"/>
+      </p:ext>
+    </p:extLst>
+  </p:cSld>
+  <p:clrMapOvr>
+    <a:masterClrMapping/>
+  </p:clrMapOvr>
+</p:sld>
+</file>
+
+<file path=ppt/slides/slide20.xml><?xml version="1.0" encoding="utf-8"?>
 <p:sld xmlns:a="http://schemas.openxmlformats.org/drawingml/2006/main" xmlns:r="http://schemas.openxmlformats.org/officeDocument/2006/relationships" xmlns:p="http://schemas.openxmlformats.org/presentationml/2006/main">
   <p:cSld>
     <p:spTree>
@@ -6024,7 +5918,7 @@
 </p:sld>
 </file>
 
-<file path=ppt/slides/slide22.xml><?xml version="1.0" encoding="utf-8"?>
+<file path=ppt/slides/slide21.xml><?xml version="1.0" encoding="utf-8"?>
 <p:sld xmlns:a="http://schemas.openxmlformats.org/drawingml/2006/main" xmlns:r="http://schemas.openxmlformats.org/officeDocument/2006/relationships" xmlns:p="http://schemas.openxmlformats.org/presentationml/2006/main">
   <p:cSld>
     <p:spTree>
@@ -6981,6 +6875,231 @@
 </p:sld>
 </file>
 
+<file path=ppt/slides/slide22.xml><?xml version="1.0" encoding="utf-8"?>
+<p:sld xmlns:a="http://schemas.openxmlformats.org/drawingml/2006/main" xmlns:r="http://schemas.openxmlformats.org/officeDocument/2006/relationships" xmlns:p="http://schemas.openxmlformats.org/presentationml/2006/main">
+  <p:cSld>
+    <p:spTree>
+      <p:nvGrpSpPr>
+        <p:cNvPr id="1" name=""/>
+        <p:cNvGrpSpPr/>
+        <p:nvPr/>
+      </p:nvGrpSpPr>
+      <p:grpSpPr>
+        <a:xfrm>
+          <a:off x="0" y="0"/>
+          <a:ext cx="0" cy="0"/>
+          <a:chOff x="0" y="0"/>
+          <a:chExt cx="0" cy="0"/>
+        </a:xfrm>
+      </p:grpSpPr>
+      <p:sp>
+        <p:nvSpPr>
+          <p:cNvPr id="2" name="Title 1">
+            <a:extLst>
+              <a:ext uri="{FF2B5EF4-FFF2-40B4-BE49-F238E27FC236}">
+                <a16:creationId xmlns:a16="http://schemas.microsoft.com/office/drawing/2014/main" id="{C4B22010-9A66-4A68-AF0A-6E9191BA3962}"/>
+              </a:ext>
+            </a:extLst>
+          </p:cNvPr>
+          <p:cNvSpPr>
+            <a:spLocks noGrp="1"/>
+          </p:cNvSpPr>
+          <p:nvPr>
+            <p:ph type="title"/>
+          </p:nvPr>
+        </p:nvSpPr>
+        <p:spPr/>
+        <p:txBody>
+          <a:bodyPr>
+            <a:normAutofit fontScale="90000"/>
+          </a:bodyPr>
+          <a:lstStyle/>
+          <a:p>
+            <a:r>
+              <a:rPr lang="en-US" b="1" dirty="0"/>
+              <a:t>From Functions to Programs</a:t>
+            </a:r>
+          </a:p>
+        </p:txBody>
+      </p:sp>
+      <p:sp>
+        <p:nvSpPr>
+          <p:cNvPr id="3" name="Content Placeholder 2">
+            <a:extLst>
+              <a:ext uri="{FF2B5EF4-FFF2-40B4-BE49-F238E27FC236}">
+                <a16:creationId xmlns:a16="http://schemas.microsoft.com/office/drawing/2014/main" id="{9ADCF7B3-DBD9-42B0-B00C-2501C0B541FB}"/>
+              </a:ext>
+            </a:extLst>
+          </p:cNvPr>
+          <p:cNvSpPr>
+            <a:spLocks noGrp="1"/>
+          </p:cNvSpPr>
+          <p:nvPr>
+            <p:ph idx="1"/>
+          </p:nvPr>
+        </p:nvSpPr>
+        <p:spPr>
+          <a:xfrm>
+            <a:off x="838199" y="1825624"/>
+            <a:ext cx="10966463" cy="4835479"/>
+          </a:xfrm>
+        </p:spPr>
+        <p:txBody>
+          <a:bodyPr>
+            <a:normAutofit/>
+          </a:bodyPr>
+          <a:lstStyle/>
+          <a:p>
+            <a:r>
+              <a:rPr lang="en-US" dirty="0"/>
+              <a:t>The recipe we discussed earlier highlights a few of the realities about programming whether for individual functions or for large pieces of software</a:t>
+            </a:r>
+            <a:r>
+              <a:rPr lang="en-US" dirty="0">
+                <a:solidFill>
+                  <a:schemeClr val="accent2"/>
+                </a:solidFill>
+              </a:rPr>
+              <a:t>.</a:t>
+            </a:r>
+          </a:p>
+          <a:p>
+            <a:pPr marL="0" indent="0">
+              <a:buNone/>
+            </a:pPr>
+            <a:r>
+              <a:rPr lang="en-US" b="1" dirty="0">
+                <a:solidFill>
+                  <a:schemeClr val="accent6"/>
+                </a:solidFill>
+              </a:rPr>
+              <a:t>1. </a:t>
+            </a:r>
+            <a:r>
+              <a:rPr lang="en-US" dirty="0"/>
+              <a:t>A formal design process </a:t>
+            </a:r>
+            <a:r>
+              <a:rPr lang="en-US" dirty="0">
+                <a:solidFill>
+                  <a:schemeClr val="accent2"/>
+                </a:solidFill>
+              </a:rPr>
+              <a:t>(</a:t>
+            </a:r>
+            <a:r>
+              <a:rPr lang="en-US" dirty="0"/>
+              <a:t>or even a recipe</a:t>
+            </a:r>
+            <a:r>
+              <a:rPr lang="en-US" dirty="0">
+                <a:solidFill>
+                  <a:schemeClr val="accent2"/>
+                </a:solidFill>
+              </a:rPr>
+              <a:t>)</a:t>
+            </a:r>
+            <a:r>
+              <a:rPr lang="en-US" dirty="0"/>
+              <a:t> can help</a:t>
+            </a:r>
+            <a:r>
+              <a:rPr lang="en-US" dirty="0">
+                <a:solidFill>
+                  <a:schemeClr val="accent3"/>
+                </a:solidFill>
+              </a:rPr>
+              <a:t>. </a:t>
+            </a:r>
+          </a:p>
+          <a:p>
+            <a:pPr lvl="1"/>
+            <a:r>
+              <a:rPr lang="en-US" sz="2600" dirty="0"/>
+              <a:t>Especially when you are writing a large program with many programmers</a:t>
+            </a:r>
+            <a:r>
+              <a:rPr lang="en-US" sz="2600" dirty="0">
+                <a:solidFill>
+                  <a:schemeClr val="accent3"/>
+                </a:solidFill>
+              </a:rPr>
+              <a:t>, </a:t>
+            </a:r>
+            <a:r>
+              <a:rPr lang="en-US" sz="2600" dirty="0"/>
+              <a:t>it is easy to get lost</a:t>
+            </a:r>
+            <a:r>
+              <a:rPr lang="en-US" sz="2600" dirty="0">
+                <a:solidFill>
+                  <a:schemeClr val="accent2"/>
+                </a:solidFill>
+              </a:rPr>
+              <a:t>.</a:t>
+            </a:r>
+            <a:r>
+              <a:rPr lang="en-US" sz="2600" dirty="0"/>
+              <a:t> </a:t>
+            </a:r>
+          </a:p>
+          <a:p>
+            <a:pPr lvl="1"/>
+            <a:r>
+              <a:rPr lang="en-US" sz="2600" dirty="0"/>
+              <a:t>In fact</a:t>
+            </a:r>
+            <a:r>
+              <a:rPr lang="en-US" sz="2600" dirty="0">
+                <a:solidFill>
+                  <a:schemeClr val="accent2"/>
+                </a:solidFill>
+              </a:rPr>
+              <a:t>,</a:t>
+            </a:r>
+            <a:r>
+              <a:rPr lang="en-US" sz="2600" dirty="0"/>
+              <a:t> it is more often impossible to hold the entire program in your head</a:t>
+            </a:r>
+            <a:r>
+              <a:rPr lang="en-US" sz="2600" dirty="0">
+                <a:solidFill>
+                  <a:schemeClr val="accent3"/>
+                </a:solidFill>
+              </a:rPr>
+              <a:t>.</a:t>
+            </a:r>
+          </a:p>
+          <a:p>
+            <a:pPr lvl="1"/>
+            <a:r>
+              <a:rPr lang="en-US" sz="2600" dirty="0"/>
+              <a:t>Having a process helps you to figure out where you are and what you should do next</a:t>
+            </a:r>
+            <a:r>
+              <a:rPr lang="en-US" sz="2600" dirty="0">
+                <a:solidFill>
+                  <a:schemeClr val="accent3"/>
+                </a:solidFill>
+              </a:rPr>
+              <a:t>.  </a:t>
+            </a:r>
+          </a:p>
+        </p:txBody>
+      </p:sp>
+    </p:spTree>
+    <p:extLst>
+      <p:ext uri="{BB962C8B-B14F-4D97-AF65-F5344CB8AC3E}">
+        <p14:creationId xmlns:p14="http://schemas.microsoft.com/office/powerpoint/2010/main" val="4112218581"/>
+      </p:ext>
+    </p:extLst>
+  </p:cSld>
+  <p:clrMapOvr>
+    <a:masterClrMapping/>
+  </p:clrMapOvr>
+</p:sld>
+</file>
+
 <file path=ppt/slides/slide23.xml><?xml version="1.0" encoding="utf-8"?>
 <p:sld xmlns:a="http://schemas.openxmlformats.org/drawingml/2006/main" xmlns:r="http://schemas.openxmlformats.org/officeDocument/2006/relationships" xmlns:p="http://schemas.openxmlformats.org/presentationml/2006/main">
   <p:cSld>
@@ -7003,7 +7122,7 @@
           <p:cNvPr id="2" name="Title 1">
             <a:extLst>
               <a:ext uri="{FF2B5EF4-FFF2-40B4-BE49-F238E27FC236}">
-                <a16:creationId xmlns:a16="http://schemas.microsoft.com/office/drawing/2014/main" id="{281A398E-D404-4BE1-803D-C71B1E0D96FA}"/>
+                <a16:creationId xmlns:a16="http://schemas.microsoft.com/office/drawing/2014/main" id="{C4B22010-9A66-4A68-AF0A-6E9191BA3962}"/>
               </a:ext>
             </a:extLst>
           </p:cNvPr>
@@ -7023,9 +7142,8 @@
           <a:p>
             <a:r>
               <a:rPr lang="en-US" b="1" dirty="0"/>
-              <a:t>Where are we now?</a:t>
-            </a:r>
-            <a:endParaRPr lang="en-US" dirty="0"/>
+              <a:t>From Functions to Programs</a:t>
+            </a:r>
           </a:p>
         </p:txBody>
       </p:sp>
@@ -7034,7 +7152,7 @@
           <p:cNvPr id="3" name="Content Placeholder 2">
             <a:extLst>
               <a:ext uri="{FF2B5EF4-FFF2-40B4-BE49-F238E27FC236}">
-                <a16:creationId xmlns:a16="http://schemas.microsoft.com/office/drawing/2014/main" id="{727B086E-23E2-42DF-B732-550B58824B5E}"/>
+                <a16:creationId xmlns:a16="http://schemas.microsoft.com/office/drawing/2014/main" id="{9ADCF7B3-DBD9-42B0-B00C-2501C0B541FB}"/>
               </a:ext>
             </a:extLst>
           </p:cNvPr>
@@ -7045,7 +7163,12 @@
             <p:ph idx="1"/>
           </p:nvPr>
         </p:nvSpPr>
-        <p:spPr/>
+        <p:spPr>
+          <a:xfrm>
+            <a:off x="838199" y="1825624"/>
+            <a:ext cx="11109159" cy="4835479"/>
+          </a:xfrm>
+        </p:spPr>
         <p:txBody>
           <a:bodyPr>
             <a:normAutofit/>
@@ -7053,25 +7176,129 @@
           <a:lstStyle/>
           <a:p>
             <a:r>
-              <a:rPr lang="en-US" sz="4000" dirty="0"/>
-              <a:t>Functions build on other functions</a:t>
-            </a:r>
-            <a:r>
-              <a:rPr lang="en-US" sz="4000" dirty="0">
-                <a:solidFill>
-                  <a:schemeClr val="accent6"/>
+              <a:rPr lang="en-US" dirty="0"/>
+              <a:t>The recipe we discussed earlier highlights a few of the realities about programming whether for individual functions or for large pieces of software</a:t>
+            </a:r>
+            <a:r>
+              <a:rPr lang="en-US" dirty="0">
+                <a:solidFill>
+                  <a:schemeClr val="accent2"/>
                 </a:solidFill>
               </a:rPr>
               <a:t>.</a:t>
             </a:r>
-            <a:endParaRPr lang="en-US" sz="4000" dirty="0"/>
+          </a:p>
+          <a:p>
+            <a:pPr marL="0" indent="0">
+              <a:buNone/>
+            </a:pPr>
+            <a:r>
+              <a:rPr lang="en-US" b="1" dirty="0">
+                <a:solidFill>
+                  <a:schemeClr val="accent6"/>
+                </a:solidFill>
+              </a:rPr>
+              <a:t>2. </a:t>
+            </a:r>
+            <a:r>
+              <a:rPr lang="en-US" dirty="0"/>
+              <a:t>Functions can be written and then their insides can be forgotten about</a:t>
+            </a:r>
+            <a:r>
+              <a:rPr lang="en-US" dirty="0">
+                <a:solidFill>
+                  <a:schemeClr val="accent3"/>
+                </a:solidFill>
+              </a:rPr>
+              <a:t>. </a:t>
+            </a:r>
+          </a:p>
+          <a:p>
+            <a:pPr lvl="1"/>
+            <a:r>
+              <a:rPr lang="en-US" sz="2600" dirty="0"/>
+              <a:t>Do you know how Python calculates </a:t>
+            </a:r>
+            <a:r>
+              <a:rPr lang="en-US" sz="2600" b="1" dirty="0">
+                <a:solidFill>
+                  <a:schemeClr val="accent6"/>
+                </a:solidFill>
+              </a:rPr>
+              <a:t>sin()</a:t>
+            </a:r>
+            <a:r>
+              <a:rPr lang="en-US" sz="2600" dirty="0">
+                <a:solidFill>
+                  <a:schemeClr val="accent2"/>
+                </a:solidFill>
+              </a:rPr>
+              <a:t>?</a:t>
+            </a:r>
+            <a:r>
+              <a:rPr lang="en-US" sz="2600" dirty="0"/>
+              <a:t> </a:t>
+            </a:r>
+          </a:p>
+          <a:p>
+            <a:pPr lvl="1"/>
+            <a:r>
+              <a:rPr lang="en-US" sz="2600" dirty="0"/>
+              <a:t>Do you care</a:t>
+            </a:r>
+            <a:r>
+              <a:rPr lang="en-US" sz="2600" dirty="0">
+                <a:solidFill>
+                  <a:schemeClr val="accent2"/>
+                </a:solidFill>
+              </a:rPr>
+              <a:t>?</a:t>
+            </a:r>
+            <a:r>
+              <a:rPr lang="en-US" sz="2600" dirty="0"/>
+              <a:t> </a:t>
+            </a:r>
+          </a:p>
+          <a:p>
+            <a:pPr lvl="1"/>
+            <a:r>
+              <a:rPr lang="en-US" sz="2600" dirty="0"/>
+              <a:t>You can successfully use functions without knowing how they are implemented if you know what they take in and what they return</a:t>
+            </a:r>
+            <a:r>
+              <a:rPr lang="en-US" sz="2600" dirty="0">
+                <a:solidFill>
+                  <a:schemeClr val="accent2"/>
+                </a:solidFill>
+              </a:rPr>
+              <a:t>.</a:t>
+            </a:r>
+            <a:r>
+              <a:rPr lang="en-US" sz="2600" dirty="0"/>
+              <a:t> </a:t>
+            </a:r>
+          </a:p>
+          <a:p>
+            <a:pPr lvl="1"/>
+            <a:r>
+              <a:rPr lang="en-US" sz="2600" dirty="0"/>
+              <a:t>This is very important for large projects</a:t>
+            </a:r>
+            <a:r>
+              <a:rPr lang="en-US" sz="2600" dirty="0">
+                <a:solidFill>
+                  <a:schemeClr val="accent3"/>
+                </a:solidFill>
+              </a:rPr>
+              <a:t>.  </a:t>
+            </a:r>
           </a:p>
         </p:txBody>
       </p:sp>
     </p:spTree>
     <p:extLst>
       <p:ext uri="{BB962C8B-B14F-4D97-AF65-F5344CB8AC3E}">
-        <p14:creationId xmlns:p14="http://schemas.microsoft.com/office/powerpoint/2010/main" val="4168195364"/>
+        <p14:creationId xmlns:p14="http://schemas.microsoft.com/office/powerpoint/2010/main" val="1813938778"/>
       </p:ext>
     </p:extLst>
   </p:cSld>
@@ -7147,7 +7374,7 @@
         <p:spPr>
           <a:xfrm>
             <a:off x="838199" y="1825624"/>
-            <a:ext cx="10966463" cy="4835479"/>
+            <a:ext cx="11109159" cy="4835479"/>
           </a:xfrm>
         </p:spPr>
         <p:txBody>
@@ -7179,14 +7406,29 @@
                   <a:schemeClr val="accent6"/>
                 </a:solidFill>
               </a:rPr>
-              <a:t>1. </a:t>
-            </a:r>
-            <a:r>
-              <a:rPr lang="en-US" dirty="0"/>
-              <a:t>A formal design process </a:t>
-            </a:r>
-            <a:r>
-              <a:rPr lang="en-US" dirty="0">
+              <a:t>3. </a:t>
+            </a:r>
+            <a:r>
+              <a:rPr lang="en-US" dirty="0"/>
+              <a:t>Start with examples</a:t>
+            </a:r>
+            <a:r>
+              <a:rPr lang="en-US" dirty="0">
+                <a:solidFill>
+                  <a:schemeClr val="accent3"/>
+                </a:solidFill>
+              </a:rPr>
+              <a:t>. </a:t>
+            </a:r>
+          </a:p>
+          <a:p>
+            <a:pPr lvl="1"/>
+            <a:r>
+              <a:rPr lang="en-US" sz="2600" dirty="0"/>
+              <a:t>This helps in communication with the client, helps </a:t>
+            </a:r>
+            <a:r>
+              <a:rPr lang="en-US" sz="2600" dirty="0">
                 <a:solidFill>
                   <a:schemeClr val="accent2"/>
                 </a:solidFill>
@@ -7194,11 +7436,11 @@
               <a:t>(</a:t>
             </a:r>
             <a:r>
-              <a:rPr lang="en-US" dirty="0"/>
-              <a:t>or even a recipe</a:t>
-            </a:r>
-            <a:r>
-              <a:rPr lang="en-US" dirty="0">
+              <a:rPr lang="en-US" sz="2600" dirty="0"/>
+              <a:t>a lot</a:t>
+            </a:r>
+            <a:r>
+              <a:rPr lang="en-US" sz="2600" dirty="0">
                 <a:solidFill>
                   <a:schemeClr val="accent2"/>
                 </a:solidFill>
@@ -7206,81 +7448,20 @@
               <a:t>)</a:t>
             </a:r>
             <a:r>
-              <a:rPr lang="en-US" dirty="0"/>
-              <a:t> can help</a:t>
-            </a:r>
-            <a:r>
-              <a:rPr lang="en-US" dirty="0">
-                <a:solidFill>
-                  <a:schemeClr val="accent3"/>
-                </a:solidFill>
-              </a:rPr>
-              <a:t>. </a:t>
-            </a:r>
-          </a:p>
-          <a:p>
-            <a:pPr lvl="1"/>
-            <a:r>
               <a:rPr lang="en-US" sz="2600" dirty="0"/>
-              <a:t>Especially when you are writing a large program with many programmers</a:t>
+              <a:t> to figure out what the problem really is</a:t>
             </a:r>
             <a:r>
               <a:rPr lang="en-US" sz="2600" dirty="0">
                 <a:solidFill>
-                  <a:schemeClr val="accent3"/>
-                </a:solidFill>
-              </a:rPr>
-              <a:t>, </a:t>
+                  <a:schemeClr val="accent2"/>
+                </a:solidFill>
+              </a:rPr>
+              <a:t>,</a:t>
             </a:r>
             <a:r>
               <a:rPr lang="en-US" sz="2600" dirty="0"/>
-              <a:t>it is easy to get lost</a:t>
-            </a:r>
-            <a:r>
-              <a:rPr lang="en-US" sz="2600" dirty="0">
-                <a:solidFill>
-                  <a:schemeClr val="accent2"/>
-                </a:solidFill>
-              </a:rPr>
-              <a:t>.</a:t>
-            </a:r>
-            <a:r>
-              <a:rPr lang="en-US" sz="2600" dirty="0"/>
-              <a:t> </a:t>
-            </a:r>
-          </a:p>
-          <a:p>
-            <a:pPr lvl="1"/>
-            <a:r>
-              <a:rPr lang="en-US" sz="2600" dirty="0"/>
-              <a:t>In fact</a:t>
-            </a:r>
-            <a:r>
-              <a:rPr lang="en-US" sz="2600" dirty="0">
-                <a:solidFill>
-                  <a:schemeClr val="accent2"/>
-                </a:solidFill>
-              </a:rPr>
-              <a:t>,</a:t>
-            </a:r>
-            <a:r>
-              <a:rPr lang="en-US" sz="2600" dirty="0"/>
-              <a:t> it is more often impossible to hold the entire program in your head</a:t>
-            </a:r>
-            <a:r>
-              <a:rPr lang="en-US" sz="2600" dirty="0">
-                <a:solidFill>
-                  <a:schemeClr val="accent3"/>
-                </a:solidFill>
-              </a:rPr>
-              <a:t>.</a:t>
-            </a:r>
-          </a:p>
-          <a:p>
-            <a:pPr lvl="1"/>
-            <a:r>
-              <a:rPr lang="en-US" sz="2600" dirty="0"/>
-              <a:t>Having a process helps you to figure out where you are and what you should do next</a:t>
+              <a:t> and is the core for testing your code</a:t>
             </a:r>
             <a:r>
               <a:rPr lang="en-US" sz="2600" dirty="0">
@@ -7296,7 +7477,7 @@
     </p:spTree>
     <p:extLst>
       <p:ext uri="{BB962C8B-B14F-4D97-AF65-F5344CB8AC3E}">
-        <p14:creationId xmlns:p14="http://schemas.microsoft.com/office/powerpoint/2010/main" val="4112218581"/>
+        <p14:creationId xmlns:p14="http://schemas.microsoft.com/office/powerpoint/2010/main" val="3078459044"/>
       </p:ext>
     </p:extLst>
   </p:cSld>
@@ -7348,7 +7529,7 @@
           <a:p>
             <a:r>
               <a:rPr lang="en-US" b="1" dirty="0"/>
-              <a:t>From Functions to Programs</a:t>
+              <a:t>A Design Process for Programming</a:t>
             </a:r>
           </a:p>
         </p:txBody>
@@ -7372,7 +7553,7 @@
         <p:spPr>
           <a:xfrm>
             <a:off x="838199" y="1825624"/>
-            <a:ext cx="11109159" cy="4835479"/>
+            <a:ext cx="10966463" cy="4835479"/>
           </a:xfrm>
         </p:spPr>
         <p:txBody>
@@ -7382,121 +7563,220 @@
           <a:lstStyle/>
           <a:p>
             <a:r>
-              <a:rPr lang="en-US" dirty="0"/>
-              <a:t>The recipe we discussed earlier highlights a few of the realities about programming whether for individual functions or for large pieces of software</a:t>
-            </a:r>
-            <a:r>
-              <a:rPr lang="en-US" dirty="0">
+              <a:rPr lang="en-US" sz="3200" dirty="0"/>
+              <a:t>APS111</a:t>
+            </a:r>
+            <a:r>
+              <a:rPr lang="en-US" sz="3200" dirty="0">
+                <a:solidFill>
+                  <a:schemeClr val="accent6"/>
+                </a:solidFill>
+              </a:rPr>
+              <a:t>/</a:t>
+            </a:r>
+            <a:r>
+              <a:rPr lang="en-US" sz="3200" dirty="0"/>
+              <a:t>112</a:t>
+            </a:r>
+            <a:r>
+              <a:rPr lang="en-US" sz="3200" dirty="0">
                 <a:solidFill>
                   <a:schemeClr val="accent2"/>
                 </a:solidFill>
               </a:rPr>
+              <a:t>,</a:t>
+            </a:r>
+            <a:r>
+              <a:rPr lang="en-US" sz="3200" dirty="0"/>
+              <a:t> a key part of engineering is the design of objects</a:t>
+            </a:r>
+            <a:r>
+              <a:rPr lang="en-US" sz="3200" dirty="0">
+                <a:solidFill>
+                  <a:schemeClr val="accent2"/>
+                </a:solidFill>
+              </a:rPr>
+              <a:t>,</a:t>
+            </a:r>
+            <a:r>
+              <a:rPr lang="en-US" sz="3200" dirty="0"/>
+              <a:t> processes</a:t>
+            </a:r>
+            <a:r>
+              <a:rPr lang="en-US" sz="3200" dirty="0">
+                <a:solidFill>
+                  <a:schemeClr val="accent2"/>
+                </a:solidFill>
+              </a:rPr>
+              <a:t>,</a:t>
+            </a:r>
+            <a:r>
+              <a:rPr lang="en-US" sz="3200" dirty="0"/>
+              <a:t> and systems</a:t>
+            </a:r>
+            <a:r>
+              <a:rPr lang="en-US" sz="3200" dirty="0">
+                <a:solidFill>
+                  <a:schemeClr val="accent2"/>
+                </a:solidFill>
+              </a:rPr>
               <a:t>.</a:t>
             </a:r>
           </a:p>
           <a:p>
-            <a:pPr marL="0" indent="0">
-              <a:buNone/>
-            </a:pPr>
-            <a:r>
-              <a:rPr lang="en-US" b="1" dirty="0">
-                <a:solidFill>
-                  <a:schemeClr val="accent6"/>
-                </a:solidFill>
-              </a:rPr>
-              <a:t>2. </a:t>
-            </a:r>
-            <a:r>
-              <a:rPr lang="en-US" dirty="0"/>
-              <a:t>Functions can be written and then their insides can be forgotten about</a:t>
-            </a:r>
-            <a:r>
-              <a:rPr lang="en-US" dirty="0">
-                <a:solidFill>
-                  <a:schemeClr val="accent3"/>
-                </a:solidFill>
-              </a:rPr>
-              <a:t>. </a:t>
-            </a:r>
-          </a:p>
-          <a:p>
-            <a:pPr lvl="1"/>
-            <a:r>
-              <a:rPr lang="en-US" sz="2600" dirty="0"/>
-              <a:t>Do you know how Python calculates </a:t>
-            </a:r>
-            <a:r>
-              <a:rPr lang="en-US" sz="2600" b="1" dirty="0">
-                <a:solidFill>
-                  <a:schemeClr val="accent6"/>
-                </a:solidFill>
-              </a:rPr>
-              <a:t>sin()</a:t>
-            </a:r>
-            <a:r>
-              <a:rPr lang="en-US" sz="2600" dirty="0">
+            <a:r>
+              <a:rPr lang="en-US" sz="3200" b="1" dirty="0">
+                <a:solidFill>
+                  <a:schemeClr val="accent6"/>
+                </a:solidFill>
+              </a:rPr>
+              <a:t>Programming</a:t>
+            </a:r>
+            <a:r>
+              <a:rPr lang="en-US" sz="3200" dirty="0"/>
+              <a:t> is the design</a:t>
+            </a:r>
+            <a:r>
+              <a:rPr lang="en-US" sz="3200" dirty="0">
                 <a:solidFill>
                   <a:schemeClr val="accent2"/>
                 </a:solidFill>
               </a:rPr>
-              <a:t>?</a:t>
-            </a:r>
-            <a:r>
-              <a:rPr lang="en-US" sz="2600" dirty="0"/>
-              <a:t> </a:t>
-            </a:r>
-          </a:p>
-          <a:p>
-            <a:pPr lvl="1"/>
-            <a:r>
-              <a:rPr lang="en-US" sz="2600" dirty="0"/>
-              <a:t>Do you care</a:t>
-            </a:r>
-            <a:r>
-              <a:rPr lang="en-US" sz="2600" dirty="0">
+              <a:t>,</a:t>
+            </a:r>
+            <a:r>
+              <a:rPr lang="en-US" sz="3200" dirty="0"/>
+              <a:t> implementation, testing</a:t>
+            </a:r>
+            <a:r>
+              <a:rPr lang="en-US" sz="3200" dirty="0">
                 <a:solidFill>
                   <a:schemeClr val="accent2"/>
                 </a:solidFill>
               </a:rPr>
-              <a:t>?</a:t>
-            </a:r>
-            <a:r>
-              <a:rPr lang="en-US" sz="2600" dirty="0"/>
-              <a:t> </a:t>
-            </a:r>
-          </a:p>
-          <a:p>
-            <a:pPr lvl="1"/>
-            <a:r>
-              <a:rPr lang="en-US" sz="2600" dirty="0"/>
-              <a:t>You can successfully use functions without knowing how they are implemented if you know what they take in and what they return</a:t>
-            </a:r>
-            <a:r>
-              <a:rPr lang="en-US" sz="2600" dirty="0">
+              <a:t>,</a:t>
+            </a:r>
+            <a:r>
+              <a:rPr lang="en-US" sz="3200" dirty="0"/>
+              <a:t> and documentation of a piece of software that solves a particular problem</a:t>
+            </a:r>
+            <a:r>
+              <a:rPr lang="en-US" sz="3200" dirty="0">
                 <a:solidFill>
                   <a:schemeClr val="accent2"/>
                 </a:solidFill>
               </a:rPr>
               <a:t>.</a:t>
             </a:r>
-            <a:r>
-              <a:rPr lang="en-US" sz="2600" dirty="0"/>
-              <a:t> </a:t>
-            </a:r>
-          </a:p>
-          <a:p>
-            <a:pPr lvl="1"/>
-            <a:r>
-              <a:rPr lang="en-US" sz="2600" dirty="0"/>
-              <a:t>This is very important for large projects</a:t>
-            </a:r>
-            <a:r>
-              <a:rPr lang="en-US" sz="2600" dirty="0">
-                <a:solidFill>
-                  <a:schemeClr val="accent3"/>
-                </a:solidFill>
-              </a:rPr>
-              <a:t>.  </a:t>
+          </a:p>
+          <a:p>
+            <a:r>
+              <a:rPr lang="en-US" sz="3200" dirty="0"/>
+              <a:t>The software might be part of a larger system </a:t>
+            </a:r>
+            <a:r>
+              <a:rPr lang="en-US" sz="3200" dirty="0">
+                <a:solidFill>
+                  <a:schemeClr val="accent6"/>
+                </a:solidFill>
+              </a:rPr>
+              <a:t>(</a:t>
+            </a:r>
+            <a:r>
+              <a:rPr lang="en-US" sz="3200" dirty="0"/>
+              <a:t>e</a:t>
+            </a:r>
+            <a:r>
+              <a:rPr lang="en-US" sz="3200" dirty="0">
+                <a:solidFill>
+                  <a:schemeClr val="accent6"/>
+                </a:solidFill>
+              </a:rPr>
+              <a:t>.</a:t>
+            </a:r>
+            <a:r>
+              <a:rPr lang="en-US" sz="3200" dirty="0"/>
+              <a:t>g</a:t>
+            </a:r>
+            <a:r>
+              <a:rPr lang="en-US" sz="3200" dirty="0">
+                <a:solidFill>
+                  <a:schemeClr val="accent6"/>
+                </a:solidFill>
+              </a:rPr>
+              <a:t>.</a:t>
+            </a:r>
+            <a:r>
+              <a:rPr lang="en-US" sz="3200" dirty="0">
+                <a:solidFill>
+                  <a:schemeClr val="accent2"/>
+                </a:solidFill>
+              </a:rPr>
+              <a:t>,</a:t>
+            </a:r>
+            <a:r>
+              <a:rPr lang="en-US" sz="3200" dirty="0"/>
+              <a:t> the avionics software of an aircraft</a:t>
+            </a:r>
+            <a:r>
+              <a:rPr lang="en-US" sz="3200" dirty="0">
+                <a:solidFill>
+                  <a:schemeClr val="accent2"/>
+                </a:solidFill>
+              </a:rPr>
+              <a:t>,</a:t>
+            </a:r>
+            <a:r>
+              <a:rPr lang="en-US" sz="3200" dirty="0"/>
+              <a:t> the accounting or human resources software of a business</a:t>
+            </a:r>
+            <a:r>
+              <a:rPr lang="en-US" sz="3200" dirty="0">
+                <a:solidFill>
+                  <a:schemeClr val="accent6"/>
+                </a:solidFill>
+              </a:rPr>
+              <a:t>)</a:t>
+            </a:r>
+            <a:r>
+              <a:rPr lang="en-US" sz="3200" dirty="0">
+                <a:solidFill>
+                  <a:schemeClr val="accent2"/>
+                </a:solidFill>
+              </a:rPr>
+              <a:t>,</a:t>
+            </a:r>
+            <a:r>
+              <a:rPr lang="en-US" sz="3200" dirty="0"/>
+              <a:t> but it represents the solution to a design problem </a:t>
+            </a:r>
+            <a:r>
+              <a:rPr lang="en-US" sz="3200" dirty="0">
+                <a:solidFill>
+                  <a:schemeClr val="accent6"/>
+                </a:solidFill>
+              </a:rPr>
+              <a:t>(</a:t>
+            </a:r>
+            <a:r>
+              <a:rPr lang="en-US" sz="3200" dirty="0"/>
+              <a:t>or part of a design problem</a:t>
+            </a:r>
+            <a:r>
+              <a:rPr lang="en-US" sz="3200" dirty="0">
+                <a:solidFill>
+                  <a:schemeClr val="accent6"/>
+                </a:solidFill>
+              </a:rPr>
+              <a:t>)</a:t>
+            </a:r>
+            <a:r>
+              <a:rPr lang="en-US" sz="3200" dirty="0">
+                <a:solidFill>
+                  <a:schemeClr val="accent2"/>
+                </a:solidFill>
+              </a:rPr>
+              <a:t>.</a:t>
             </a:r>
           </a:p>
         </p:txBody>
@@ -7504,7 +7784,7 @@
     </p:spTree>
     <p:extLst>
       <p:ext uri="{BB962C8B-B14F-4D97-AF65-F5344CB8AC3E}">
-        <p14:creationId xmlns:p14="http://schemas.microsoft.com/office/powerpoint/2010/main" val="1813938778"/>
+        <p14:creationId xmlns:p14="http://schemas.microsoft.com/office/powerpoint/2010/main" val="2858756237"/>
       </p:ext>
     </p:extLst>
   </p:cSld>
@@ -7556,7 +7836,7 @@
           <a:p>
             <a:r>
               <a:rPr lang="en-US" b="1" dirty="0"/>
-              <a:t>From Functions to Programs</a:t>
+              <a:t>A Design Process for Programming</a:t>
             </a:r>
           </a:p>
         </p:txBody>
@@ -7579,8 +7859,8 @@
         </p:nvSpPr>
         <p:spPr>
           <a:xfrm>
-            <a:off x="838199" y="1825624"/>
-            <a:ext cx="11109159" cy="4835479"/>
+            <a:off x="838200" y="1825624"/>
+            <a:ext cx="3926305" cy="4835479"/>
           </a:xfrm>
         </p:spPr>
         <p:txBody>
@@ -7590,92 +7870,318 @@
           <a:lstStyle/>
           <a:p>
             <a:r>
-              <a:rPr lang="en-US" dirty="0"/>
-              <a:t>The recipe we discussed earlier highlights a few of the realities about programming whether for individual functions or for large pieces of software</a:t>
-            </a:r>
-            <a:r>
-              <a:rPr lang="en-US" dirty="0">
-                <a:solidFill>
-                  <a:schemeClr val="accent2"/>
+              <a:rPr lang="en-US" sz="3200" dirty="0"/>
+              <a:t>We will approach programing as an engineering design process and adapt the process you have already seen in APS111</a:t>
+            </a:r>
+            <a:r>
+              <a:rPr lang="en-US" sz="3200" dirty="0">
+                <a:solidFill>
+                  <a:schemeClr val="accent6"/>
+                </a:solidFill>
+              </a:rPr>
+              <a:t>/</a:t>
+            </a:r>
+            <a:r>
+              <a:rPr lang="en-US" sz="3200" dirty="0"/>
+              <a:t>112</a:t>
+            </a:r>
+            <a:r>
+              <a:rPr lang="en-US" sz="3200" dirty="0">
+                <a:solidFill>
+                  <a:schemeClr val="accent1"/>
                 </a:solidFill>
               </a:rPr>
               <a:t>.</a:t>
             </a:r>
           </a:p>
-          <a:p>
-            <a:pPr marL="0" indent="0">
-              <a:buNone/>
+        </p:txBody>
+      </p:sp>
+      <p:sp>
+        <p:nvSpPr>
+          <p:cNvPr id="4" name="object 4">
+            <a:extLst>
+              <a:ext uri="{FF2B5EF4-FFF2-40B4-BE49-F238E27FC236}">
+                <a16:creationId xmlns:a16="http://schemas.microsoft.com/office/drawing/2014/main" id="{020D6DF7-D0C8-4F2C-BBCE-205652397438}"/>
+              </a:ext>
+            </a:extLst>
+          </p:cNvPr>
+          <p:cNvSpPr/>
+          <p:nvPr/>
+        </p:nvSpPr>
+        <p:spPr>
+          <a:xfrm>
+            <a:off x="5185612" y="1863345"/>
+            <a:ext cx="6836984" cy="4797758"/>
+          </a:xfrm>
+          <a:prstGeom prst="rect">
+            <a:avLst/>
+          </a:prstGeom>
+          <a:blipFill>
+            <a:blip r:embed="rId2" cstate="print"/>
+            <a:stretch>
+              <a:fillRect/>
+            </a:stretch>
+          </a:blipFill>
+        </p:spPr>
+        <p:txBody>
+          <a:bodyPr wrap="square" lIns="0" tIns="0" rIns="0" bIns="0" rtlCol="0"/>
+          <a:lstStyle/>
+          <a:p>
+            <a:endParaRPr/>
+          </a:p>
+        </p:txBody>
+      </p:sp>
+      <p:sp>
+        <p:nvSpPr>
+          <p:cNvPr id="5" name="object 5">
+            <a:extLst>
+              <a:ext uri="{FF2B5EF4-FFF2-40B4-BE49-F238E27FC236}">
+                <a16:creationId xmlns:a16="http://schemas.microsoft.com/office/drawing/2014/main" id="{D1C575DA-253E-4F55-9554-038DAB52C264}"/>
+              </a:ext>
+            </a:extLst>
+          </p:cNvPr>
+          <p:cNvSpPr txBox="1"/>
+          <p:nvPr/>
+        </p:nvSpPr>
+        <p:spPr>
+          <a:xfrm>
+            <a:off x="7576646" y="1515781"/>
+            <a:ext cx="4302125" cy="215444"/>
+          </a:xfrm>
+          <a:prstGeom prst="rect">
+            <a:avLst/>
+          </a:prstGeom>
+        </p:spPr>
+        <p:txBody>
+          <a:bodyPr vert="horz" wrap="square" lIns="0" tIns="0" rIns="0" bIns="0" rtlCol="0">
+            <a:spAutoFit/>
+          </a:bodyPr>
+          <a:lstStyle/>
+          <a:p>
+            <a:pPr marL="12700">
+              <a:lnSpc>
+                <a:spcPct val="100000"/>
+              </a:lnSpc>
             </a:pPr>
             <a:r>
-              <a:rPr lang="en-US" b="1" dirty="0">
-                <a:solidFill>
-                  <a:schemeClr val="accent6"/>
-                </a:solidFill>
-              </a:rPr>
-              <a:t>3. </a:t>
-            </a:r>
-            <a:r>
-              <a:rPr lang="en-US" dirty="0"/>
-              <a:t>Start with examples</a:t>
-            </a:r>
-            <a:r>
-              <a:rPr lang="en-US" dirty="0">
-                <a:solidFill>
-                  <a:schemeClr val="accent3"/>
-                </a:solidFill>
-              </a:rPr>
-              <a:t>. </a:t>
-            </a:r>
-          </a:p>
-          <a:p>
-            <a:pPr lvl="1"/>
-            <a:r>
-              <a:rPr lang="en-US" sz="2600" dirty="0"/>
-              <a:t>This helps in communication with the client, helps </a:t>
-            </a:r>
-            <a:r>
-              <a:rPr lang="en-US" sz="2600" dirty="0">
-                <a:solidFill>
-                  <a:schemeClr val="accent2"/>
-                </a:solidFill>
-              </a:rPr>
-              <a:t>(</a:t>
-            </a:r>
-            <a:r>
-              <a:rPr lang="en-US" sz="2600" dirty="0"/>
-              <a:t>a lot</a:t>
-            </a:r>
-            <a:r>
-              <a:rPr lang="en-US" sz="2600" dirty="0">
-                <a:solidFill>
-                  <a:schemeClr val="accent2"/>
-                </a:solidFill>
-              </a:rPr>
-              <a:t>)</a:t>
-            </a:r>
-            <a:r>
-              <a:rPr lang="en-US" sz="2600" dirty="0"/>
-              <a:t> to figure out what the problem really is</a:t>
-            </a:r>
-            <a:r>
-              <a:rPr lang="en-US" sz="2600" dirty="0">
-                <a:solidFill>
-                  <a:schemeClr val="accent2"/>
-                </a:solidFill>
-              </a:rPr>
-              <a:t>,</a:t>
-            </a:r>
-            <a:r>
-              <a:rPr lang="en-US" sz="2600" dirty="0"/>
-              <a:t> and is the core for testing your code</a:t>
-            </a:r>
-            <a:r>
-              <a:rPr lang="en-US" sz="2600" dirty="0">
-                <a:solidFill>
-                  <a:schemeClr val="accent3"/>
-                </a:solidFill>
-              </a:rPr>
-              <a:t>.  </a:t>
+              <a:rPr sz="1400" spc="-165" dirty="0">
+                <a:solidFill>
+                  <a:schemeClr val="accent1"/>
+                </a:solidFill>
+                <a:latin typeface="Arial"/>
+                <a:cs typeface="Arial"/>
+              </a:rPr>
+              <a:t>T</a:t>
+            </a:r>
+            <a:r>
+              <a:rPr sz="1400" dirty="0">
+                <a:solidFill>
+                  <a:schemeClr val="accent1"/>
+                </a:solidFill>
+                <a:latin typeface="Arial"/>
+                <a:cs typeface="Arial"/>
+              </a:rPr>
+              <a:t>aken</a:t>
+            </a:r>
+            <a:r>
+              <a:rPr sz="1400" spc="-30" dirty="0">
+                <a:solidFill>
+                  <a:schemeClr val="accent1"/>
+                </a:solidFill>
+                <a:latin typeface="Arial"/>
+                <a:cs typeface="Arial"/>
+              </a:rPr>
+              <a:t> </a:t>
+            </a:r>
+            <a:r>
+              <a:rPr sz="1400" dirty="0">
+                <a:solidFill>
+                  <a:schemeClr val="accent1"/>
+                </a:solidFill>
+                <a:latin typeface="Arial"/>
+                <a:cs typeface="Arial"/>
+              </a:rPr>
+              <a:t>fro</a:t>
+            </a:r>
+            <a:r>
+              <a:rPr sz="1400" spc="-10" dirty="0">
+                <a:solidFill>
+                  <a:schemeClr val="accent1"/>
+                </a:solidFill>
+                <a:latin typeface="Arial"/>
+                <a:cs typeface="Arial"/>
+              </a:rPr>
+              <a:t>m</a:t>
+            </a:r>
+            <a:r>
+              <a:rPr sz="1400" dirty="0">
+                <a:solidFill>
+                  <a:schemeClr val="accent1"/>
+                </a:solidFill>
+                <a:latin typeface="Arial"/>
+                <a:cs typeface="Arial"/>
+              </a:rPr>
+              <a:t>:</a:t>
+            </a:r>
+            <a:r>
+              <a:rPr sz="1400" spc="-30" dirty="0">
+                <a:solidFill>
+                  <a:schemeClr val="accent1"/>
+                </a:solidFill>
+                <a:latin typeface="Arial"/>
+                <a:cs typeface="Arial"/>
+              </a:rPr>
+              <a:t> </a:t>
+            </a:r>
+            <a:r>
+              <a:rPr sz="1400" spc="-10" dirty="0">
+                <a:solidFill>
+                  <a:schemeClr val="accent1"/>
+                </a:solidFill>
+                <a:latin typeface="Arial"/>
+                <a:cs typeface="Arial"/>
+              </a:rPr>
+              <a:t>D</a:t>
+            </a:r>
+            <a:r>
+              <a:rPr sz="1400" dirty="0">
+                <a:solidFill>
+                  <a:schemeClr val="accent1"/>
+                </a:solidFill>
+                <a:latin typeface="Arial"/>
+                <a:cs typeface="Arial"/>
+              </a:rPr>
+              <a:t>esigning</a:t>
+            </a:r>
+            <a:r>
+              <a:rPr sz="1400" spc="-25" dirty="0">
+                <a:solidFill>
+                  <a:schemeClr val="accent1"/>
+                </a:solidFill>
+                <a:latin typeface="Arial"/>
+                <a:cs typeface="Arial"/>
+              </a:rPr>
+              <a:t> </a:t>
+            </a:r>
+            <a:r>
+              <a:rPr sz="1400" dirty="0">
+                <a:solidFill>
+                  <a:schemeClr val="accent1"/>
+                </a:solidFill>
+                <a:latin typeface="Arial"/>
+                <a:cs typeface="Arial"/>
+              </a:rPr>
+              <a:t>Engineer</a:t>
+            </a:r>
+            <a:r>
+              <a:rPr sz="1400" spc="5" dirty="0">
+                <a:solidFill>
+                  <a:schemeClr val="accent1"/>
+                </a:solidFill>
+                <a:latin typeface="Arial"/>
+                <a:cs typeface="Arial"/>
+              </a:rPr>
+              <a:t>s</a:t>
+            </a:r>
+            <a:r>
+              <a:rPr sz="1400" dirty="0">
+                <a:solidFill>
+                  <a:schemeClr val="accent1"/>
+                </a:solidFill>
+                <a:latin typeface="Arial"/>
+                <a:cs typeface="Arial"/>
+              </a:rPr>
+              <a:t>:</a:t>
+            </a:r>
+            <a:r>
+              <a:rPr sz="1400" spc="-120" dirty="0">
+                <a:solidFill>
+                  <a:schemeClr val="accent1"/>
+                </a:solidFill>
+                <a:latin typeface="Arial"/>
+                <a:cs typeface="Arial"/>
+              </a:rPr>
+              <a:t> </a:t>
+            </a:r>
+            <a:r>
+              <a:rPr sz="1400" dirty="0">
+                <a:solidFill>
+                  <a:schemeClr val="accent1"/>
+                </a:solidFill>
+                <a:latin typeface="Arial"/>
+                <a:cs typeface="Arial"/>
+              </a:rPr>
+              <a:t>An Introduc</a:t>
+            </a:r>
+            <a:r>
+              <a:rPr sz="1400" spc="-10" dirty="0">
+                <a:solidFill>
+                  <a:schemeClr val="accent1"/>
+                </a:solidFill>
+                <a:latin typeface="Arial"/>
+                <a:cs typeface="Arial"/>
+              </a:rPr>
+              <a:t>t</a:t>
+            </a:r>
+            <a:r>
+              <a:rPr sz="1400" dirty="0">
+                <a:solidFill>
+                  <a:schemeClr val="accent1"/>
+                </a:solidFill>
+                <a:latin typeface="Arial"/>
+                <a:cs typeface="Arial"/>
+              </a:rPr>
+              <a:t>ory</a:t>
+            </a:r>
+            <a:r>
+              <a:rPr sz="1400" spc="-70" dirty="0">
+                <a:solidFill>
+                  <a:schemeClr val="accent1"/>
+                </a:solidFill>
+                <a:latin typeface="Arial"/>
+                <a:cs typeface="Arial"/>
+              </a:rPr>
+              <a:t> </a:t>
+            </a:r>
+            <a:r>
+              <a:rPr sz="1400" spc="-160" dirty="0">
+                <a:solidFill>
+                  <a:schemeClr val="accent1"/>
+                </a:solidFill>
+                <a:latin typeface="Arial"/>
+                <a:cs typeface="Arial"/>
+              </a:rPr>
+              <a:t>T</a:t>
+            </a:r>
+            <a:r>
+              <a:rPr sz="1400" dirty="0">
+                <a:solidFill>
+                  <a:schemeClr val="accent1"/>
+                </a:solidFill>
+                <a:latin typeface="Arial"/>
+                <a:cs typeface="Arial"/>
+              </a:rPr>
+              <a:t>e</a:t>
+            </a:r>
+            <a:r>
+              <a:rPr sz="1400" spc="-15" dirty="0">
+                <a:solidFill>
+                  <a:schemeClr val="accent1"/>
+                </a:solidFill>
+                <a:latin typeface="Arial"/>
+                <a:cs typeface="Arial"/>
+              </a:rPr>
+              <a:t>x</a:t>
+            </a:r>
+            <a:r>
+              <a:rPr sz="1400" dirty="0">
+                <a:solidFill>
+                  <a:schemeClr val="accent1"/>
+                </a:solidFill>
+                <a:latin typeface="Arial"/>
+                <a:cs typeface="Arial"/>
+              </a:rPr>
+              <a:t>t</a:t>
             </a:r>
           </a:p>
         </p:txBody>
@@ -7683,7 +8189,7 @@
     </p:spTree>
     <p:extLst>
       <p:ext uri="{BB962C8B-B14F-4D97-AF65-F5344CB8AC3E}">
-        <p14:creationId xmlns:p14="http://schemas.microsoft.com/office/powerpoint/2010/main" val="3078459044"/>
+        <p14:creationId xmlns:p14="http://schemas.microsoft.com/office/powerpoint/2010/main" val="3695291974"/>
       </p:ext>
     </p:extLst>
   </p:cSld>
@@ -7712,10 +8218,10 @@
       </p:grpSpPr>
       <p:sp>
         <p:nvSpPr>
-          <p:cNvPr id="2" name="Title 1">
-            <a:extLst>
-              <a:ext uri="{FF2B5EF4-FFF2-40B4-BE49-F238E27FC236}">
-                <a16:creationId xmlns:a16="http://schemas.microsoft.com/office/drawing/2014/main" id="{C4B22010-9A66-4A68-AF0A-6E9191BA3962}"/>
+          <p:cNvPr id="4" name="Title 3">
+            <a:extLst>
+              <a:ext uri="{FF2B5EF4-FFF2-40B4-BE49-F238E27FC236}">
+                <a16:creationId xmlns:a16="http://schemas.microsoft.com/office/drawing/2014/main" id="{84B04D02-878B-43E7-9C87-4475A137AB28}"/>
               </a:ext>
             </a:extLst>
           </p:cNvPr>
@@ -7737,15 +8243,16 @@
               <a:rPr lang="en-US" b="1" dirty="0"/>
               <a:t>A Design Process for Programming</a:t>
             </a:r>
-          </a:p>
-        </p:txBody>
-      </p:sp>
-      <p:sp>
-        <p:nvSpPr>
-          <p:cNvPr id="3" name="Content Placeholder 2">
-            <a:extLst>
-              <a:ext uri="{FF2B5EF4-FFF2-40B4-BE49-F238E27FC236}">
-                <a16:creationId xmlns:a16="http://schemas.microsoft.com/office/drawing/2014/main" id="{9ADCF7B3-DBD9-42B0-B00C-2501C0B541FB}"/>
+            <a:endParaRPr lang="en-US" dirty="0"/>
+          </a:p>
+        </p:txBody>
+      </p:sp>
+      <p:sp>
+        <p:nvSpPr>
+          <p:cNvPr id="5" name="Content Placeholder 4">
+            <a:extLst>
+              <a:ext uri="{FF2B5EF4-FFF2-40B4-BE49-F238E27FC236}">
+                <a16:creationId xmlns:a16="http://schemas.microsoft.com/office/drawing/2014/main" id="{3F716CDE-3A27-4CFD-83C8-4FEA958C16D7}"/>
               </a:ext>
             </a:extLst>
           </p:cNvPr>
@@ -7758,8 +8265,8 @@
         </p:nvSpPr>
         <p:spPr>
           <a:xfrm>
-            <a:off x="838199" y="1825624"/>
-            <a:ext cx="10966463" cy="4835479"/>
+            <a:off x="838200" y="1825624"/>
+            <a:ext cx="11217442" cy="4912060"/>
           </a:xfrm>
         </p:spPr>
         <p:txBody>
@@ -7769,23 +8276,11 @@
           <a:lstStyle/>
           <a:p>
             <a:r>
-              <a:rPr lang="en-US" sz="3200" dirty="0"/>
-              <a:t>APS111</a:t>
-            </a:r>
-            <a:r>
-              <a:rPr lang="en-US" sz="3200" dirty="0">
-                <a:solidFill>
-                  <a:schemeClr val="accent6"/>
-                </a:solidFill>
-              </a:rPr>
-              <a:t>/</a:t>
-            </a:r>
-            <a:r>
-              <a:rPr lang="en-US" sz="3200" dirty="0"/>
-              <a:t>112</a:t>
-            </a:r>
-            <a:r>
-              <a:rPr lang="en-US" sz="3200" dirty="0">
+              <a:rPr lang="en-US" dirty="0"/>
+              <a:t>In the next lecture</a:t>
+            </a:r>
+            <a:r>
+              <a:rPr lang="en-US" dirty="0">
                 <a:solidFill>
                   <a:schemeClr val="accent2"/>
                 </a:solidFill>
@@ -7793,11 +8288,11 @@
               <a:t>,</a:t>
             </a:r>
             <a:r>
-              <a:rPr lang="en-US" sz="3200" dirty="0"/>
-              <a:t> a key part of engineering is the design of objects</a:t>
-            </a:r>
-            <a:r>
-              <a:rPr lang="en-US" sz="3200" dirty="0">
+              <a:rPr lang="en-US" dirty="0"/>
+              <a:t> we are going to talk about a detailed design process for programming</a:t>
+            </a:r>
+            <a:r>
+              <a:rPr lang="en-US" dirty="0">
                 <a:solidFill>
                   <a:schemeClr val="accent2"/>
                 </a:solidFill>
@@ -7805,184 +8300,190 @@
               <a:t>,</a:t>
             </a:r>
             <a:r>
-              <a:rPr lang="en-US" sz="3200" dirty="0"/>
-              <a:t> processes</a:t>
-            </a:r>
-            <a:r>
-              <a:rPr lang="en-US" sz="3200" dirty="0">
+              <a:rPr lang="en-US" dirty="0"/>
+              <a:t> based on the engineering design processes that are key to any engineering</a:t>
+            </a:r>
+            <a:r>
+              <a:rPr lang="en-US" dirty="0">
                 <a:solidFill>
                   <a:schemeClr val="accent2"/>
                 </a:solidFill>
               </a:rPr>
-              <a:t>,</a:t>
-            </a:r>
-            <a:r>
-              <a:rPr lang="en-US" sz="3200" dirty="0"/>
-              <a:t> and systems</a:t>
-            </a:r>
-            <a:r>
-              <a:rPr lang="en-US" sz="3200" dirty="0">
+              <a:t>.</a:t>
+            </a:r>
+            <a:r>
+              <a:rPr lang="en-US" dirty="0"/>
+              <a:t> </a:t>
+            </a:r>
+          </a:p>
+          <a:p>
+            <a:r>
+              <a:rPr lang="en-US" dirty="0"/>
+              <a:t>The steps are as follows</a:t>
+            </a:r>
+            <a:r>
+              <a:rPr lang="en-US" dirty="0">
                 <a:solidFill>
                   <a:schemeClr val="accent2"/>
                 </a:solidFill>
               </a:rPr>
+              <a:t>:</a:t>
+            </a:r>
+          </a:p>
+          <a:p>
+            <a:r>
+              <a:rPr lang="en-US" b="1" dirty="0">
+                <a:solidFill>
+                  <a:schemeClr val="accent6"/>
+                </a:solidFill>
+              </a:rPr>
+              <a:t>Define the Problem</a:t>
+            </a:r>
+            <a:r>
+              <a:rPr lang="en-US" b="1" dirty="0">
+                <a:solidFill>
+                  <a:schemeClr val="accent2"/>
+                </a:solidFill>
+              </a:rPr>
               <a:t>.</a:t>
             </a:r>
-          </a:p>
-          <a:p>
-            <a:r>
-              <a:rPr lang="en-US" sz="3200" b="1" dirty="0">
-                <a:solidFill>
-                  <a:schemeClr val="accent6"/>
-                </a:solidFill>
-              </a:rPr>
-              <a:t>Programming</a:t>
-            </a:r>
-            <a:r>
-              <a:rPr lang="en-US" sz="3200" dirty="0"/>
-              <a:t> is the design</a:t>
-            </a:r>
-            <a:r>
-              <a:rPr lang="en-US" sz="3200" dirty="0">
+            <a:r>
+              <a:rPr lang="en-US" dirty="0">
+                <a:solidFill>
+                  <a:schemeClr val="accent6"/>
+                </a:solidFill>
+              </a:rPr>
+              <a:t> </a:t>
+            </a:r>
+          </a:p>
+          <a:p>
+            <a:r>
+              <a:rPr lang="en-US" b="1" dirty="0">
+                <a:solidFill>
+                  <a:schemeClr val="accent6"/>
+                </a:solidFill>
+              </a:rPr>
+              <a:t>Define Test Cases</a:t>
+            </a:r>
+            <a:r>
+              <a:rPr lang="en-US" b="1" dirty="0">
                 <a:solidFill>
                   <a:schemeClr val="accent2"/>
                 </a:solidFill>
               </a:rPr>
-              <a:t>,</a:t>
-            </a:r>
-            <a:r>
-              <a:rPr lang="en-US" sz="3200" dirty="0"/>
-              <a:t> implementation, testing</a:t>
-            </a:r>
-            <a:r>
-              <a:rPr lang="en-US" sz="3200" dirty="0">
+              <a:t>.</a:t>
+            </a:r>
+            <a:r>
+              <a:rPr lang="en-US" dirty="0">
+                <a:solidFill>
+                  <a:schemeClr val="accent6"/>
+                </a:solidFill>
+              </a:rPr>
+              <a:t> </a:t>
+            </a:r>
+          </a:p>
+          <a:p>
+            <a:r>
+              <a:rPr lang="en-US" b="1" dirty="0">
+                <a:solidFill>
+                  <a:schemeClr val="accent6"/>
+                </a:solidFill>
+              </a:rPr>
+              <a:t>Generate Multiple Solutions</a:t>
+            </a:r>
+            <a:r>
+              <a:rPr lang="en-US" b="1" dirty="0">
                 <a:solidFill>
                   <a:schemeClr val="accent2"/>
                 </a:solidFill>
               </a:rPr>
-              <a:t>,</a:t>
-            </a:r>
-            <a:r>
-              <a:rPr lang="en-US" sz="3200" dirty="0"/>
-              <a:t> and documentation of a piece of software that solves a particular problem</a:t>
-            </a:r>
-            <a:r>
-              <a:rPr lang="en-US" sz="3200" dirty="0">
+              <a:t>.</a:t>
+            </a:r>
+            <a:r>
+              <a:rPr lang="en-US" dirty="0">
+                <a:solidFill>
+                  <a:schemeClr val="accent6"/>
+                </a:solidFill>
+              </a:rPr>
+              <a:t> </a:t>
+            </a:r>
+          </a:p>
+          <a:p>
+            <a:r>
+              <a:rPr lang="en-US" b="1" dirty="0">
+                <a:solidFill>
+                  <a:schemeClr val="accent6"/>
+                </a:solidFill>
+              </a:rPr>
+              <a:t>Select a Solution</a:t>
+            </a:r>
+            <a:r>
+              <a:rPr lang="en-US" b="1" dirty="0">
                 <a:solidFill>
                   <a:schemeClr val="accent2"/>
                 </a:solidFill>
               </a:rPr>
               <a:t>.</a:t>
             </a:r>
-          </a:p>
-          <a:p>
-            <a:r>
-              <a:rPr lang="en-US" sz="3200" dirty="0"/>
-              <a:t>The software might be part of a larger system </a:t>
-            </a:r>
-            <a:r>
-              <a:rPr lang="en-US" sz="3200" dirty="0">
-                <a:solidFill>
-                  <a:schemeClr val="accent6"/>
-                </a:solidFill>
-              </a:rPr>
-              <a:t>(</a:t>
-            </a:r>
-            <a:r>
-              <a:rPr lang="en-US" sz="3200" dirty="0"/>
-              <a:t>e</a:t>
-            </a:r>
-            <a:r>
-              <a:rPr lang="en-US" sz="3200" dirty="0">
-                <a:solidFill>
-                  <a:schemeClr val="accent6"/>
+            <a:r>
+              <a:rPr lang="en-US" dirty="0">
+                <a:solidFill>
+                  <a:schemeClr val="accent6"/>
+                </a:solidFill>
+              </a:rPr>
+              <a:t> </a:t>
+            </a:r>
+          </a:p>
+          <a:p>
+            <a:r>
+              <a:rPr lang="en-US" b="1" dirty="0">
+                <a:solidFill>
+                  <a:schemeClr val="accent6"/>
+                </a:solidFill>
+              </a:rPr>
+              <a:t>Implement the Solution</a:t>
+            </a:r>
+            <a:r>
+              <a:rPr lang="en-US" b="1" dirty="0">
+                <a:solidFill>
+                  <a:schemeClr val="accent2"/>
                 </a:solidFill>
               </a:rPr>
               <a:t>.</a:t>
             </a:r>
             <a:r>
-              <a:rPr lang="en-US" sz="3200" dirty="0"/>
-              <a:t>g</a:t>
-            </a:r>
-            <a:r>
-              <a:rPr lang="en-US" sz="3200" dirty="0">
-                <a:solidFill>
-                  <a:schemeClr val="accent6"/>
+              <a:rPr lang="en-US" dirty="0">
+                <a:solidFill>
+                  <a:schemeClr val="accent6"/>
+                </a:solidFill>
+              </a:rPr>
+              <a:t> </a:t>
+            </a:r>
+          </a:p>
+          <a:p>
+            <a:r>
+              <a:rPr lang="en-US" b="1" dirty="0">
+                <a:solidFill>
+                  <a:schemeClr val="accent6"/>
+                </a:solidFill>
+              </a:rPr>
+              <a:t>Perform Final Testing</a:t>
+            </a:r>
+            <a:r>
+              <a:rPr lang="en-US" b="1" dirty="0">
+                <a:solidFill>
+                  <a:schemeClr val="accent2"/>
                 </a:solidFill>
               </a:rPr>
               <a:t>.</a:t>
             </a:r>
             <a:r>
-              <a:rPr lang="en-US" sz="3200" dirty="0">
+              <a:rPr lang="en-US" dirty="0">
                 <a:solidFill>
                   <a:schemeClr val="accent2"/>
                 </a:solidFill>
               </a:rPr>
-              <a:t>,</a:t>
-            </a:r>
-            <a:r>
-              <a:rPr lang="en-US" sz="3200" dirty="0"/>
-              <a:t> the avionics software of an aircraft</a:t>
-            </a:r>
-            <a:r>
-              <a:rPr lang="en-US" sz="3200" dirty="0">
-                <a:solidFill>
-                  <a:schemeClr val="accent2"/>
-                </a:solidFill>
-              </a:rPr>
-              <a:t>,</a:t>
-            </a:r>
-            <a:r>
-              <a:rPr lang="en-US" sz="3200" dirty="0"/>
-              <a:t> the accounting or human resources software of a business</a:t>
-            </a:r>
-            <a:r>
-              <a:rPr lang="en-US" sz="3200" dirty="0">
-                <a:solidFill>
-                  <a:schemeClr val="accent6"/>
-                </a:solidFill>
-              </a:rPr>
-              <a:t>)</a:t>
-            </a:r>
-            <a:r>
-              <a:rPr lang="en-US" sz="3200" dirty="0">
-                <a:solidFill>
-                  <a:schemeClr val="accent2"/>
-                </a:solidFill>
-              </a:rPr>
-              <a:t>,</a:t>
-            </a:r>
-            <a:r>
-              <a:rPr lang="en-US" sz="3200" dirty="0"/>
-              <a:t> but it represents the solution to a design problem </a:t>
-            </a:r>
-            <a:r>
-              <a:rPr lang="en-US" sz="3200" dirty="0">
-                <a:solidFill>
-                  <a:schemeClr val="accent6"/>
-                </a:solidFill>
-              </a:rPr>
-              <a:t>(</a:t>
-            </a:r>
-            <a:r>
-              <a:rPr lang="en-US" sz="3200" dirty="0"/>
-              <a:t>or part of a design problem</a:t>
-            </a:r>
-            <a:r>
-              <a:rPr lang="en-US" sz="3200" dirty="0">
-                <a:solidFill>
-                  <a:schemeClr val="accent6"/>
-                </a:solidFill>
-              </a:rPr>
-              <a:t>)</a:t>
-            </a:r>
-            <a:r>
-              <a:rPr lang="en-US" sz="3200" dirty="0">
-                <a:solidFill>
-                  <a:schemeClr val="accent2"/>
-                </a:solidFill>
-              </a:rPr>
-              <a:t>.</a:t>
+              <a:t> </a:t>
             </a:r>
           </a:p>
         </p:txBody>
@@ -7990,7 +8491,7 @@
     </p:spTree>
     <p:extLst>
       <p:ext uri="{BB962C8B-B14F-4D97-AF65-F5344CB8AC3E}">
-        <p14:creationId xmlns:p14="http://schemas.microsoft.com/office/powerpoint/2010/main" val="2858756237"/>
+        <p14:creationId xmlns:p14="http://schemas.microsoft.com/office/powerpoint/2010/main" val="3241361352"/>
       </p:ext>
     </p:extLst>
   </p:cSld>
@@ -8019,10 +8520,10 @@
       </p:grpSpPr>
       <p:sp>
         <p:nvSpPr>
-          <p:cNvPr id="2" name="Title 1">
-            <a:extLst>
-              <a:ext uri="{FF2B5EF4-FFF2-40B4-BE49-F238E27FC236}">
-                <a16:creationId xmlns:a16="http://schemas.microsoft.com/office/drawing/2014/main" id="{C4B22010-9A66-4A68-AF0A-6E9191BA3962}"/>
+          <p:cNvPr id="4" name="Title 3">
+            <a:extLst>
+              <a:ext uri="{FF2B5EF4-FFF2-40B4-BE49-F238E27FC236}">
+                <a16:creationId xmlns:a16="http://schemas.microsoft.com/office/drawing/2014/main" id="{84B04D02-878B-43E7-9C87-4475A137AB28}"/>
               </a:ext>
             </a:extLst>
           </p:cNvPr>
@@ -8044,15 +8545,16 @@
               <a:rPr lang="en-US" b="1" dirty="0"/>
               <a:t>A Design Process for Programming</a:t>
             </a:r>
-          </a:p>
-        </p:txBody>
-      </p:sp>
-      <p:sp>
-        <p:nvSpPr>
-          <p:cNvPr id="3" name="Content Placeholder 2">
-            <a:extLst>
-              <a:ext uri="{FF2B5EF4-FFF2-40B4-BE49-F238E27FC236}">
-                <a16:creationId xmlns:a16="http://schemas.microsoft.com/office/drawing/2014/main" id="{9ADCF7B3-DBD9-42B0-B00C-2501C0B541FB}"/>
+            <a:endParaRPr lang="en-US" dirty="0"/>
+          </a:p>
+        </p:txBody>
+      </p:sp>
+      <p:sp>
+        <p:nvSpPr>
+          <p:cNvPr id="5" name="Content Placeholder 4">
+            <a:extLst>
+              <a:ext uri="{FF2B5EF4-FFF2-40B4-BE49-F238E27FC236}">
+                <a16:creationId xmlns:a16="http://schemas.microsoft.com/office/drawing/2014/main" id="{3F716CDE-3A27-4CFD-83C8-4FEA958C16D7}"/>
               </a:ext>
             </a:extLst>
           </p:cNvPr>
@@ -8066,7 +8568,7 @@
         <p:spPr>
           <a:xfrm>
             <a:off x="838200" y="1825624"/>
-            <a:ext cx="3926305" cy="4835479"/>
+            <a:ext cx="11217442" cy="4912060"/>
           </a:xfrm>
         </p:spPr>
         <p:txBody>
@@ -8076,326 +8578,62 @@
           <a:lstStyle/>
           <a:p>
             <a:r>
-              <a:rPr lang="en-US" sz="3200" dirty="0"/>
-              <a:t>We will approach programing as an engineering design process and adapt the process you have already seen in APS111</a:t>
-            </a:r>
-            <a:r>
-              <a:rPr lang="en-US" sz="3200" dirty="0">
-                <a:solidFill>
-                  <a:schemeClr val="accent6"/>
-                </a:solidFill>
-              </a:rPr>
-              <a:t>/</a:t>
-            </a:r>
-            <a:r>
-              <a:rPr lang="en-US" sz="3200" dirty="0"/>
-              <a:t>112</a:t>
-            </a:r>
-            <a:r>
-              <a:rPr lang="en-US" sz="3200" dirty="0">
-                <a:solidFill>
-                  <a:schemeClr val="accent1"/>
+              <a:rPr lang="en-US" b="1" dirty="0">
+                <a:solidFill>
+                  <a:schemeClr val="accent6"/>
+                </a:solidFill>
+              </a:rPr>
+              <a:t>Define the Problem</a:t>
+            </a:r>
+            <a:r>
+              <a:rPr lang="en-US" b="1" dirty="0">
+                <a:solidFill>
+                  <a:schemeClr val="accent2"/>
                 </a:solidFill>
               </a:rPr>
               <a:t>.</a:t>
             </a:r>
-          </a:p>
-        </p:txBody>
-      </p:sp>
-      <p:sp>
-        <p:nvSpPr>
-          <p:cNvPr id="4" name="object 4">
-            <a:extLst>
-              <a:ext uri="{FF2B5EF4-FFF2-40B4-BE49-F238E27FC236}">
-                <a16:creationId xmlns:a16="http://schemas.microsoft.com/office/drawing/2014/main" id="{020D6DF7-D0C8-4F2C-BBCE-205652397438}"/>
-              </a:ext>
-            </a:extLst>
-          </p:cNvPr>
-          <p:cNvSpPr/>
-          <p:nvPr/>
-        </p:nvSpPr>
-        <p:spPr>
-          <a:xfrm>
-            <a:off x="5185612" y="1863345"/>
-            <a:ext cx="6836984" cy="4797758"/>
-          </a:xfrm>
-          <a:prstGeom prst="rect">
-            <a:avLst/>
-          </a:prstGeom>
-          <a:blipFill>
-            <a:blip r:embed="rId2" cstate="print"/>
-            <a:stretch>
-              <a:fillRect/>
-            </a:stretch>
-          </a:blipFill>
-        </p:spPr>
-        <p:txBody>
-          <a:bodyPr wrap="square" lIns="0" tIns="0" rIns="0" bIns="0" rtlCol="0"/>
-          <a:lstStyle/>
-          <a:p>
-            <a:endParaRPr/>
-          </a:p>
-        </p:txBody>
-      </p:sp>
-      <p:sp>
-        <p:nvSpPr>
-          <p:cNvPr id="5" name="object 5">
-            <a:extLst>
-              <a:ext uri="{FF2B5EF4-FFF2-40B4-BE49-F238E27FC236}">
-                <a16:creationId xmlns:a16="http://schemas.microsoft.com/office/drawing/2014/main" id="{D1C575DA-253E-4F55-9554-038DAB52C264}"/>
-              </a:ext>
-            </a:extLst>
-          </p:cNvPr>
-          <p:cNvSpPr txBox="1"/>
-          <p:nvPr/>
-        </p:nvSpPr>
-        <p:spPr>
-          <a:xfrm>
-            <a:off x="7576646" y="1515781"/>
-            <a:ext cx="4302125" cy="215444"/>
-          </a:xfrm>
-          <a:prstGeom prst="rect">
-            <a:avLst/>
-          </a:prstGeom>
-        </p:spPr>
-        <p:txBody>
-          <a:bodyPr vert="horz" wrap="square" lIns="0" tIns="0" rIns="0" bIns="0" rtlCol="0">
-            <a:spAutoFit/>
-          </a:bodyPr>
-          <a:lstStyle/>
-          <a:p>
-            <a:pPr marL="12700">
-              <a:lnSpc>
-                <a:spcPct val="100000"/>
-              </a:lnSpc>
-            </a:pPr>
-            <a:r>
-              <a:rPr sz="1400" spc="-165" dirty="0">
-                <a:solidFill>
-                  <a:schemeClr val="accent1"/>
-                </a:solidFill>
-                <a:latin typeface="Arial"/>
-                <a:cs typeface="Arial"/>
-              </a:rPr>
-              <a:t>T</a:t>
-            </a:r>
-            <a:r>
-              <a:rPr sz="1400" dirty="0">
-                <a:solidFill>
-                  <a:schemeClr val="accent1"/>
-                </a:solidFill>
-                <a:latin typeface="Arial"/>
-                <a:cs typeface="Arial"/>
-              </a:rPr>
-              <a:t>aken</a:t>
-            </a:r>
-            <a:r>
-              <a:rPr sz="1400" spc="-30" dirty="0">
-                <a:solidFill>
-                  <a:schemeClr val="accent1"/>
-                </a:solidFill>
-                <a:latin typeface="Arial"/>
-                <a:cs typeface="Arial"/>
-              </a:rPr>
-              <a:t> </a:t>
-            </a:r>
-            <a:r>
-              <a:rPr sz="1400" dirty="0">
-                <a:solidFill>
-                  <a:schemeClr val="accent1"/>
-                </a:solidFill>
-                <a:latin typeface="Arial"/>
-                <a:cs typeface="Arial"/>
-              </a:rPr>
-              <a:t>fro</a:t>
-            </a:r>
-            <a:r>
-              <a:rPr sz="1400" spc="-10" dirty="0">
-                <a:solidFill>
-                  <a:schemeClr val="accent1"/>
-                </a:solidFill>
-                <a:latin typeface="Arial"/>
-                <a:cs typeface="Arial"/>
-              </a:rPr>
-              <a:t>m</a:t>
-            </a:r>
-            <a:r>
-              <a:rPr sz="1400" dirty="0">
-                <a:solidFill>
-                  <a:schemeClr val="accent1"/>
-                </a:solidFill>
-                <a:latin typeface="Arial"/>
-                <a:cs typeface="Arial"/>
-              </a:rPr>
-              <a:t>:</a:t>
-            </a:r>
-            <a:r>
-              <a:rPr sz="1400" spc="-30" dirty="0">
-                <a:solidFill>
-                  <a:schemeClr val="accent1"/>
-                </a:solidFill>
-                <a:latin typeface="Arial"/>
-                <a:cs typeface="Arial"/>
-              </a:rPr>
-              <a:t> </a:t>
-            </a:r>
-            <a:r>
-              <a:rPr sz="1400" spc="-10" dirty="0">
-                <a:solidFill>
-                  <a:schemeClr val="accent1"/>
-                </a:solidFill>
-                <a:latin typeface="Arial"/>
-                <a:cs typeface="Arial"/>
-              </a:rPr>
-              <a:t>D</a:t>
-            </a:r>
-            <a:r>
-              <a:rPr sz="1400" dirty="0">
-                <a:solidFill>
-                  <a:schemeClr val="accent1"/>
-                </a:solidFill>
-                <a:latin typeface="Arial"/>
-                <a:cs typeface="Arial"/>
-              </a:rPr>
-              <a:t>esigning</a:t>
-            </a:r>
-            <a:r>
-              <a:rPr sz="1400" spc="-25" dirty="0">
-                <a:solidFill>
-                  <a:schemeClr val="accent1"/>
-                </a:solidFill>
-                <a:latin typeface="Arial"/>
-                <a:cs typeface="Arial"/>
-              </a:rPr>
-              <a:t> </a:t>
-            </a:r>
-            <a:r>
-              <a:rPr sz="1400" dirty="0">
-                <a:solidFill>
-                  <a:schemeClr val="accent1"/>
-                </a:solidFill>
-                <a:latin typeface="Arial"/>
-                <a:cs typeface="Arial"/>
-              </a:rPr>
-              <a:t>Engineer</a:t>
-            </a:r>
-            <a:r>
-              <a:rPr sz="1400" spc="5" dirty="0">
-                <a:solidFill>
-                  <a:schemeClr val="accent1"/>
-                </a:solidFill>
-                <a:latin typeface="Arial"/>
-                <a:cs typeface="Arial"/>
-              </a:rPr>
-              <a:t>s</a:t>
-            </a:r>
-            <a:r>
-              <a:rPr sz="1400" dirty="0">
-                <a:solidFill>
-                  <a:schemeClr val="accent1"/>
-                </a:solidFill>
-                <a:latin typeface="Arial"/>
-                <a:cs typeface="Arial"/>
-              </a:rPr>
-              <a:t>:</a:t>
-            </a:r>
-            <a:r>
-              <a:rPr sz="1400" spc="-120" dirty="0">
-                <a:solidFill>
-                  <a:schemeClr val="accent1"/>
-                </a:solidFill>
-                <a:latin typeface="Arial"/>
-                <a:cs typeface="Arial"/>
-              </a:rPr>
-              <a:t> </a:t>
-            </a:r>
-            <a:r>
-              <a:rPr sz="1400" dirty="0">
-                <a:solidFill>
-                  <a:schemeClr val="accent1"/>
-                </a:solidFill>
-                <a:latin typeface="Arial"/>
-                <a:cs typeface="Arial"/>
-              </a:rPr>
-              <a:t>An Introduc</a:t>
-            </a:r>
-            <a:r>
-              <a:rPr sz="1400" spc="-10" dirty="0">
-                <a:solidFill>
-                  <a:schemeClr val="accent1"/>
-                </a:solidFill>
-                <a:latin typeface="Arial"/>
-                <a:cs typeface="Arial"/>
-              </a:rPr>
-              <a:t>t</a:t>
-            </a:r>
-            <a:r>
-              <a:rPr sz="1400" dirty="0">
-                <a:solidFill>
-                  <a:schemeClr val="accent1"/>
-                </a:solidFill>
-                <a:latin typeface="Arial"/>
-                <a:cs typeface="Arial"/>
-              </a:rPr>
-              <a:t>ory</a:t>
-            </a:r>
-            <a:r>
-              <a:rPr sz="1400" spc="-70" dirty="0">
-                <a:solidFill>
-                  <a:schemeClr val="accent1"/>
-                </a:solidFill>
-                <a:latin typeface="Arial"/>
-                <a:cs typeface="Arial"/>
-              </a:rPr>
-              <a:t> </a:t>
-            </a:r>
-            <a:r>
-              <a:rPr sz="1400" spc="-160" dirty="0">
-                <a:solidFill>
-                  <a:schemeClr val="accent1"/>
-                </a:solidFill>
-                <a:latin typeface="Arial"/>
-                <a:cs typeface="Arial"/>
-              </a:rPr>
-              <a:t>T</a:t>
-            </a:r>
-            <a:r>
-              <a:rPr sz="1400" dirty="0">
-                <a:solidFill>
-                  <a:schemeClr val="accent1"/>
-                </a:solidFill>
-                <a:latin typeface="Arial"/>
-                <a:cs typeface="Arial"/>
-              </a:rPr>
-              <a:t>e</a:t>
-            </a:r>
-            <a:r>
-              <a:rPr sz="1400" spc="-15" dirty="0">
-                <a:solidFill>
-                  <a:schemeClr val="accent1"/>
-                </a:solidFill>
-                <a:latin typeface="Arial"/>
-                <a:cs typeface="Arial"/>
-              </a:rPr>
-              <a:t>x</a:t>
-            </a:r>
-            <a:r>
-              <a:rPr sz="1400" dirty="0">
-                <a:solidFill>
-                  <a:schemeClr val="accent1"/>
-                </a:solidFill>
-                <a:latin typeface="Arial"/>
-                <a:cs typeface="Arial"/>
-              </a:rPr>
-              <a:t>t</a:t>
-            </a:r>
+            <a:r>
+              <a:rPr lang="en-US" dirty="0">
+                <a:solidFill>
+                  <a:schemeClr val="accent6"/>
+                </a:solidFill>
+              </a:rPr>
+              <a:t> </a:t>
+            </a:r>
+          </a:p>
+          <a:p>
+            <a:r>
+              <a:rPr lang="en-US" dirty="0"/>
+              <a:t>Write down what the problem actually is</a:t>
+            </a:r>
+            <a:r>
+              <a:rPr lang="en-US" dirty="0">
+                <a:solidFill>
+                  <a:schemeClr val="accent2"/>
+                </a:solidFill>
+              </a:rPr>
+              <a:t>.</a:t>
+            </a:r>
+            <a:br>
+              <a:rPr lang="en-US" dirty="0">
+                <a:solidFill>
+                  <a:schemeClr val="accent6"/>
+                </a:solidFill>
+              </a:rPr>
+            </a:br>
+            <a:endParaRPr lang="en-US" dirty="0">
+              <a:solidFill>
+                <a:schemeClr val="accent6"/>
+              </a:solidFill>
+            </a:endParaRPr>
           </a:p>
         </p:txBody>
       </p:sp>
     </p:spTree>
     <p:extLst>
       <p:ext uri="{BB962C8B-B14F-4D97-AF65-F5344CB8AC3E}">
-        <p14:creationId xmlns:p14="http://schemas.microsoft.com/office/powerpoint/2010/main" val="3695291974"/>
+        <p14:creationId xmlns:p14="http://schemas.microsoft.com/office/powerpoint/2010/main" val="2531539681"/>
       </p:ext>
     </p:extLst>
   </p:cSld>
@@ -8482,20 +8720,34 @@
           <a:lstStyle/>
           <a:p>
             <a:r>
-              <a:rPr lang="en-US" dirty="0"/>
-              <a:t>In the next lecture</a:t>
-            </a:r>
-            <a:r>
-              <a:rPr lang="en-US" dirty="0">
+              <a:rPr lang="en-US" b="1" dirty="0">
+                <a:solidFill>
+                  <a:schemeClr val="accent6"/>
+                </a:solidFill>
+              </a:rPr>
+              <a:t>Define Test Cases</a:t>
+            </a:r>
+            <a:r>
+              <a:rPr lang="en-US" b="1" dirty="0">
                 <a:solidFill>
                   <a:schemeClr val="accent2"/>
                 </a:solidFill>
               </a:rPr>
-              <a:t>,</a:t>
-            </a:r>
-            <a:r>
-              <a:rPr lang="en-US" dirty="0"/>
-              <a:t> we are going to talk about a detailed design process for programming</a:t>
+              <a:t>.</a:t>
+            </a:r>
+            <a:r>
+              <a:rPr lang="en-US" dirty="0">
+                <a:solidFill>
+                  <a:schemeClr val="accent6"/>
+                </a:solidFill>
+              </a:rPr>
+              <a:t> </a:t>
+            </a:r>
+          </a:p>
+          <a:p>
+            <a:r>
+              <a:rPr lang="en-US" dirty="0"/>
+              <a:t>Create some examples that reflect your code solving the problem: input and output</a:t>
             </a:r>
             <a:r>
               <a:rPr lang="en-US" dirty="0">
@@ -8503,201 +8755,27 @@
                   <a:schemeClr val="accent2"/>
                 </a:solidFill>
               </a:rPr>
-              <a:t>,</a:t>
-            </a:r>
-            <a:r>
-              <a:rPr lang="en-US" dirty="0"/>
-              <a:t> based on the engineering design processes that are key to any engineering</a:t>
-            </a:r>
-            <a:r>
-              <a:rPr lang="en-US" dirty="0">
-                <a:solidFill>
-                  <a:schemeClr val="accent2"/>
-                </a:solidFill>
-              </a:rPr>
               <a:t>.</a:t>
             </a:r>
-            <a:r>
-              <a:rPr lang="en-US" dirty="0"/>
-              <a:t> </a:t>
-            </a:r>
-          </a:p>
-          <a:p>
-            <a:r>
-              <a:rPr lang="en-US" dirty="0"/>
-              <a:t>The steps are as follows</a:t>
-            </a:r>
-            <a:r>
-              <a:rPr lang="en-US" dirty="0">
-                <a:solidFill>
-                  <a:schemeClr val="accent2"/>
-                </a:solidFill>
-              </a:rPr>
-              <a:t>:</a:t>
-            </a:r>
-          </a:p>
-          <a:p>
-            <a:r>
-              <a:rPr lang="en-US" b="1" dirty="0">
-                <a:solidFill>
-                  <a:schemeClr val="accent6"/>
-                </a:solidFill>
-              </a:rPr>
-              <a:t>Define the Problem</a:t>
-            </a:r>
-            <a:r>
-              <a:rPr lang="en-US" b="1" dirty="0">
-                <a:solidFill>
-                  <a:schemeClr val="accent2"/>
-                </a:solidFill>
-              </a:rPr>
-              <a:t>.</a:t>
-            </a:r>
-            <a:r>
-              <a:rPr lang="en-US" dirty="0">
-                <a:solidFill>
-                  <a:schemeClr val="accent6"/>
-                </a:solidFill>
-              </a:rPr>
-              <a:t> </a:t>
-            </a:r>
-          </a:p>
-          <a:p>
-            <a:r>
-              <a:rPr lang="en-US" b="1" dirty="0">
-                <a:solidFill>
-                  <a:schemeClr val="accent6"/>
-                </a:solidFill>
-              </a:rPr>
-              <a:t>Define Test Cases</a:t>
-            </a:r>
-            <a:r>
-              <a:rPr lang="en-US" b="1" dirty="0">
-                <a:solidFill>
-                  <a:schemeClr val="accent2"/>
-                </a:solidFill>
-              </a:rPr>
-              <a:t>.</a:t>
-            </a:r>
-            <a:r>
-              <a:rPr lang="en-US" dirty="0">
-                <a:solidFill>
-                  <a:schemeClr val="accent6"/>
-                </a:solidFill>
-              </a:rPr>
-              <a:t> </a:t>
-            </a:r>
-          </a:p>
-          <a:p>
-            <a:r>
-              <a:rPr lang="en-US" b="1" dirty="0">
-                <a:solidFill>
-                  <a:schemeClr val="accent6"/>
-                </a:solidFill>
-              </a:rPr>
-              <a:t>Generate Multiple Solutions</a:t>
-            </a:r>
-            <a:r>
-              <a:rPr lang="en-US" b="1" dirty="0">
-                <a:solidFill>
-                  <a:schemeClr val="accent2"/>
-                </a:solidFill>
-              </a:rPr>
-              <a:t>.</a:t>
-            </a:r>
-            <a:r>
-              <a:rPr lang="en-US" dirty="0">
-                <a:solidFill>
-                  <a:schemeClr val="accent6"/>
-                </a:solidFill>
-              </a:rPr>
-              <a:t> </a:t>
-            </a:r>
-          </a:p>
-          <a:p>
-            <a:r>
-              <a:rPr lang="en-US" b="1" dirty="0">
-                <a:solidFill>
-                  <a:schemeClr val="accent6"/>
-                </a:solidFill>
-              </a:rPr>
-              <a:t>Select a Solution</a:t>
-            </a:r>
-            <a:r>
-              <a:rPr lang="en-US" b="1" dirty="0">
-                <a:solidFill>
-                  <a:schemeClr val="accent2"/>
-                </a:solidFill>
-              </a:rPr>
-              <a:t>.</a:t>
-            </a:r>
-            <a:r>
-              <a:rPr lang="en-US" dirty="0">
-                <a:solidFill>
-                  <a:schemeClr val="accent6"/>
-                </a:solidFill>
-              </a:rPr>
-              <a:t> </a:t>
-            </a:r>
-          </a:p>
-          <a:p>
-            <a:r>
-              <a:rPr lang="en-US" b="1" dirty="0">
-                <a:solidFill>
-                  <a:schemeClr val="accent6"/>
-                </a:solidFill>
-              </a:rPr>
-              <a:t>Implement the Solution</a:t>
-            </a:r>
-            <a:r>
-              <a:rPr lang="en-US" b="1" dirty="0">
-                <a:solidFill>
-                  <a:schemeClr val="accent2"/>
-                </a:solidFill>
-              </a:rPr>
-              <a:t>.</a:t>
-            </a:r>
-            <a:r>
-              <a:rPr lang="en-US" dirty="0">
-                <a:solidFill>
-                  <a:schemeClr val="accent6"/>
-                </a:solidFill>
-              </a:rPr>
-              <a:t> </a:t>
-            </a:r>
-          </a:p>
-          <a:p>
-            <a:r>
-              <a:rPr lang="en-US" b="1" dirty="0">
-                <a:solidFill>
-                  <a:schemeClr val="accent6"/>
-                </a:solidFill>
-              </a:rPr>
-              <a:t>Perform Final Testing</a:t>
-            </a:r>
-            <a:r>
-              <a:rPr lang="en-US" b="1" dirty="0">
-                <a:solidFill>
-                  <a:schemeClr val="accent2"/>
-                </a:solidFill>
-              </a:rPr>
-              <a:t>.</a:t>
-            </a:r>
-            <a:r>
-              <a:rPr lang="en-US" dirty="0">
-                <a:solidFill>
-                  <a:schemeClr val="accent2"/>
-                </a:solidFill>
-              </a:rPr>
-              <a:t> </a:t>
-            </a:r>
+            <a:br>
+              <a:rPr lang="en-US" dirty="0">
+                <a:solidFill>
+                  <a:schemeClr val="accent6"/>
+                </a:solidFill>
+              </a:rPr>
+            </a:br>
+            <a:endParaRPr lang="en-US" dirty="0">
+              <a:solidFill>
+                <a:schemeClr val="accent6"/>
+              </a:solidFill>
+            </a:endParaRPr>
           </a:p>
         </p:txBody>
       </p:sp>
     </p:spTree>
     <p:extLst>
       <p:ext uri="{BB962C8B-B14F-4D97-AF65-F5344CB8AC3E}">
-        <p14:creationId xmlns:p14="http://schemas.microsoft.com/office/powerpoint/2010/main" val="3241361352"/>
+        <p14:creationId xmlns:p14="http://schemas.microsoft.com/office/powerpoint/2010/main" val="457186222"/>
       </p:ext>
     </p:extLst>
   </p:cSld>
@@ -8724,12 +8802,59 @@
           <a:chExt cx="0" cy="0"/>
         </a:xfrm>
       </p:grpSpPr>
+      <p:pic>
+        <p:nvPicPr>
+          <p:cNvPr id="8194" name="Picture 2" descr="code reviews - Code quality as measured in WTFs/minute. - devRant">
+            <a:extLst>
+              <a:ext uri="{FF2B5EF4-FFF2-40B4-BE49-F238E27FC236}">
+                <a16:creationId xmlns:a16="http://schemas.microsoft.com/office/drawing/2014/main" id="{11365DFE-674B-432F-840B-485C7688536E}"/>
+              </a:ext>
+            </a:extLst>
+          </p:cNvPr>
+          <p:cNvPicPr>
+            <a:picLocks noChangeAspect="1" noChangeArrowheads="1"/>
+          </p:cNvPicPr>
+          <p:nvPr/>
+        </p:nvPicPr>
+        <p:blipFill>
+          <a:blip r:embed="rId2">
+            <a:extLst>
+              <a:ext uri="{28A0092B-C50C-407E-A947-70E740481C1C}">
+                <a14:useLocalDpi xmlns:a14="http://schemas.microsoft.com/office/drawing/2010/main" val="0"/>
+              </a:ext>
+            </a:extLst>
+          </a:blip>
+          <a:srcRect/>
+          <a:stretch>
+            <a:fillRect/>
+          </a:stretch>
+        </p:blipFill>
+        <p:spPr bwMode="auto">
+          <a:xfrm>
+            <a:off x="6874041" y="1383662"/>
+            <a:ext cx="5281863" cy="5281863"/>
+          </a:xfrm>
+          <a:prstGeom prst="rect">
+            <a:avLst/>
+          </a:prstGeom>
+          <a:noFill/>
+          <a:extLst>
+            <a:ext uri="{909E8E84-426E-40DD-AFC4-6F175D3DCCD1}">
+              <a14:hiddenFill xmlns:a14="http://schemas.microsoft.com/office/drawing/2010/main">
+                <a:solidFill>
+                  <a:srgbClr val="FFFFFF"/>
+                </a:solidFill>
+              </a14:hiddenFill>
+            </a:ext>
+          </a:extLst>
+        </p:spPr>
+      </p:pic>
       <p:sp>
         <p:nvSpPr>
           <p:cNvPr id="2" name="Title 1">
             <a:extLst>
               <a:ext uri="{FF2B5EF4-FFF2-40B4-BE49-F238E27FC236}">
-                <a16:creationId xmlns:a16="http://schemas.microsoft.com/office/drawing/2014/main" id="{8969A57B-21DC-4557-9D2E-36BBF1E923C9}"/>
+                <a16:creationId xmlns:a16="http://schemas.microsoft.com/office/drawing/2014/main" id="{844849AA-E622-4F7D-8941-71C937456B82}"/>
               </a:ext>
             </a:extLst>
           </p:cNvPr>
@@ -8743,25 +8868,13 @@
         <p:spPr/>
         <p:txBody>
           <a:bodyPr>
-            <a:normAutofit fontScale="90000"/>
+            <a:normAutofit/>
           </a:bodyPr>
           <a:lstStyle/>
           <a:p>
             <a:r>
-              <a:rPr lang="en-US" dirty="0"/>
-              <a:t>Today</a:t>
-            </a:r>
-            <a:r>
-              <a:rPr lang="en-US" dirty="0">
-                <a:solidFill>
-                  <a:schemeClr val="accent1"/>
-                </a:solidFill>
-              </a:rPr>
-              <a:t>’</a:t>
-            </a:r>
-            <a:r>
-              <a:rPr lang="en-US" dirty="0"/>
-              <a:t>s Content</a:t>
+              <a:rPr lang="en-US" sz="3600" b="1" dirty="0"/>
+              <a:t>Defining Your Own Functions</a:t>
             </a:r>
           </a:p>
         </p:txBody>
@@ -8771,7 +8884,7 @@
           <p:cNvPr id="3" name="Content Placeholder 2">
             <a:extLst>
               <a:ext uri="{FF2B5EF4-FFF2-40B4-BE49-F238E27FC236}">
-                <a16:creationId xmlns:a16="http://schemas.microsoft.com/office/drawing/2014/main" id="{7AB50049-8F6C-4DF3-BA59-31343B218CF3}"/>
+                <a16:creationId xmlns:a16="http://schemas.microsoft.com/office/drawing/2014/main" id="{D0254071-BABD-4A6D-965B-5977BB6BD8B0}"/>
               </a:ext>
             </a:extLst>
           </p:cNvPr>
@@ -8782,56 +8895,123 @@
             <p:ph idx="1"/>
           </p:nvPr>
         </p:nvSpPr>
-        <p:spPr/>
-        <p:txBody>
-          <a:bodyPr/>
+        <p:spPr>
+          <a:xfrm>
+            <a:off x="838200" y="1825624"/>
+            <a:ext cx="6428874" cy="4835479"/>
+          </a:xfrm>
+        </p:spPr>
+        <p:txBody>
+          <a:bodyPr>
+            <a:normAutofit fontScale="92500" lnSpcReduction="10000"/>
+          </a:bodyPr>
           <a:lstStyle/>
           <a:p>
             <a:r>
-              <a:rPr lang="en-US" dirty="0"/>
-              <a:t>Function Definitions</a:t>
-            </a:r>
-          </a:p>
-          <a:p>
-            <a:r>
-              <a:rPr lang="en-US" dirty="0"/>
-              <a:t>Design Recipe for Functions</a:t>
-            </a:r>
-          </a:p>
-          <a:p>
-            <a:r>
-              <a:rPr lang="en-US" dirty="0"/>
-              <a:t>Docstrings</a:t>
-            </a:r>
-          </a:p>
-          <a:p>
-            <a:r>
-              <a:rPr lang="en-US" dirty="0"/>
-              <a:t>Writing Your Own Functions</a:t>
-            </a:r>
-          </a:p>
-          <a:p>
-            <a:r>
-              <a:rPr lang="en-US" dirty="0"/>
-              <a:t>Nested Functions</a:t>
-            </a:r>
-          </a:p>
-          <a:p>
-            <a:r>
-              <a:rPr lang="en-US" dirty="0"/>
-              <a:t>Calling Functions with Functions</a:t>
-            </a:r>
-          </a:p>
-          <a:p>
-            <a:r>
-              <a:rPr lang="en-US" dirty="0"/>
-              <a:t>From Functions to Programs</a:t>
-            </a:r>
-          </a:p>
-          <a:p>
-            <a:r>
-              <a:rPr lang="en-US" dirty="0"/>
-              <a:t>A Design Process for Programming</a:t>
+              <a:rPr lang="en-US" sz="3200" dirty="0"/>
+              <a:t>The real power of functions is in defining your own</a:t>
+            </a:r>
+            <a:r>
+              <a:rPr lang="en-US" sz="3200" dirty="0">
+                <a:solidFill>
+                  <a:schemeClr val="accent2"/>
+                </a:solidFill>
+              </a:rPr>
+              <a:t>.</a:t>
+            </a:r>
+            <a:r>
+              <a:rPr lang="en-US" sz="3200" dirty="0"/>
+              <a:t> </a:t>
+            </a:r>
+          </a:p>
+          <a:p>
+            <a:r>
+              <a:rPr lang="en-US" sz="3200" dirty="0"/>
+              <a:t>Good programs typically consist of many small functions that call each other</a:t>
+            </a:r>
+            <a:r>
+              <a:rPr lang="en-US" sz="3200" dirty="0">
+                <a:solidFill>
+                  <a:schemeClr val="accent2"/>
+                </a:solidFill>
+              </a:rPr>
+              <a:t>.</a:t>
+            </a:r>
+            <a:r>
+              <a:rPr lang="en-US" sz="3200" dirty="0"/>
+              <a:t> </a:t>
+            </a:r>
+          </a:p>
+          <a:p>
+            <a:r>
+              <a:rPr lang="en-US" sz="3200" dirty="0"/>
+              <a:t>If you have a function that does </a:t>
+            </a:r>
+            <a:r>
+              <a:rPr lang="en-US" sz="3900" b="1" dirty="0">
+                <a:solidFill>
+                  <a:schemeClr val="accent2"/>
+                </a:solidFill>
+              </a:rPr>
+              <a:t>only one thing </a:t>
+            </a:r>
+            <a:r>
+              <a:rPr lang="en-US" sz="3200" dirty="0">
+                <a:solidFill>
+                  <a:schemeClr val="accent2"/>
+                </a:solidFill>
+              </a:rPr>
+              <a:t>(</a:t>
+            </a:r>
+            <a:r>
+              <a:rPr lang="en-US" sz="3200" dirty="0"/>
+              <a:t>like calculate the sine of an angle</a:t>
+            </a:r>
+            <a:r>
+              <a:rPr lang="en-US" sz="3200" dirty="0">
+                <a:solidFill>
+                  <a:schemeClr val="accent2"/>
+                </a:solidFill>
+              </a:rPr>
+              <a:t>),</a:t>
+            </a:r>
+            <a:r>
+              <a:rPr lang="en-US" sz="3200" dirty="0"/>
+              <a:t> it is likely not too large</a:t>
+            </a:r>
+            <a:r>
+              <a:rPr lang="en-US" sz="3200" dirty="0">
+                <a:solidFill>
+                  <a:schemeClr val="accent2"/>
+                </a:solidFill>
+              </a:rPr>
+              <a:t>.</a:t>
+            </a:r>
+          </a:p>
+          <a:p>
+            <a:r>
+              <a:rPr lang="en-US" sz="3200" dirty="0"/>
+              <a:t>If its not too large</a:t>
+            </a:r>
+            <a:r>
+              <a:rPr lang="en-US" sz="3200" dirty="0">
+                <a:solidFill>
+                  <a:schemeClr val="accent2"/>
+                </a:solidFill>
+              </a:rPr>
+              <a:t>,</a:t>
+            </a:r>
+            <a:r>
+              <a:rPr lang="en-US" sz="3200" dirty="0"/>
+              <a:t> it will be easy to test and maintain</a:t>
+            </a:r>
+            <a:r>
+              <a:rPr lang="en-US" sz="3200" dirty="0">
+                <a:solidFill>
+                  <a:schemeClr val="accent2"/>
+                </a:solidFill>
+              </a:rPr>
+              <a:t>.</a:t>
             </a:r>
           </a:p>
         </p:txBody>
@@ -8839,7 +9019,7 @@
     </p:spTree>
     <p:extLst>
       <p:ext uri="{BB962C8B-B14F-4D97-AF65-F5344CB8AC3E}">
-        <p14:creationId xmlns:p14="http://schemas.microsoft.com/office/powerpoint/2010/main" val="192437523"/>
+        <p14:creationId xmlns:p14="http://schemas.microsoft.com/office/powerpoint/2010/main" val="1674347301"/>
       </p:ext>
     </p:extLst>
   </p:cSld>
@@ -8931,7 +9111,7 @@
                   <a:schemeClr val="accent6"/>
                 </a:solidFill>
               </a:rPr>
-              <a:t>Define the Problem</a:t>
+              <a:t>Generate Multiple Solutions</a:t>
             </a:r>
             <a:r>
               <a:rPr lang="en-US" b="1" dirty="0">
@@ -8953,7 +9133,171 @@
           <a:p>
             <a:r>
               <a:rPr lang="en-US" dirty="0"/>
-              <a:t>Write down what the problem actually is</a:t>
+              <a:t>At this point a </a:t>
+            </a:r>
+            <a:r>
+              <a:rPr lang="en-US" dirty="0">
+                <a:solidFill>
+                  <a:schemeClr val="accent2"/>
+                </a:solidFill>
+              </a:rPr>
+              <a:t>"</a:t>
+            </a:r>
+            <a:r>
+              <a:rPr lang="en-US" dirty="0"/>
+              <a:t>solution</a:t>
+            </a:r>
+            <a:r>
+              <a:rPr lang="en-US" dirty="0">
+                <a:solidFill>
+                  <a:schemeClr val="accent2"/>
+                </a:solidFill>
+              </a:rPr>
+              <a:t>"</a:t>
+            </a:r>
+            <a:r>
+              <a:rPr lang="en-US" dirty="0"/>
+              <a:t> consists of an algorithm plan </a:t>
+            </a:r>
+            <a:r>
+              <a:rPr lang="en-US" dirty="0">
+                <a:solidFill>
+                  <a:schemeClr val="accent6"/>
+                </a:solidFill>
+              </a:rPr>
+              <a:t>(</a:t>
+            </a:r>
+            <a:r>
+              <a:rPr lang="en-US" dirty="0"/>
+              <a:t>the high</a:t>
+            </a:r>
+            <a:r>
+              <a:rPr lang="en-US" dirty="0">
+                <a:solidFill>
+                  <a:schemeClr val="accent2"/>
+                </a:solidFill>
+              </a:rPr>
+              <a:t>-</a:t>
+            </a:r>
+            <a:r>
+              <a:rPr lang="en-US" dirty="0"/>
+              <a:t>level sequence steps defining what your algorithm will do</a:t>
+            </a:r>
+            <a:r>
+              <a:rPr lang="en-US" dirty="0">
+                <a:solidFill>
+                  <a:schemeClr val="accent6"/>
+                </a:solidFill>
+              </a:rPr>
+              <a:t>)</a:t>
+            </a:r>
+            <a:r>
+              <a:rPr lang="en-US" dirty="0"/>
+              <a:t> and a programming plan </a:t>
+            </a:r>
+            <a:r>
+              <a:rPr lang="en-US" dirty="0">
+                <a:solidFill>
+                  <a:schemeClr val="accent6"/>
+                </a:solidFill>
+              </a:rPr>
+              <a:t>(</a:t>
+            </a:r>
+            <a:r>
+              <a:rPr lang="en-US" dirty="0"/>
+              <a:t>the high</a:t>
+            </a:r>
+            <a:r>
+              <a:rPr lang="en-US" dirty="0">
+                <a:solidFill>
+                  <a:schemeClr val="accent2"/>
+                </a:solidFill>
+              </a:rPr>
+              <a:t>-</a:t>
+            </a:r>
+            <a:r>
+              <a:rPr lang="en-US" dirty="0"/>
+              <a:t>level sequence of steps that you will take to code the algorithm</a:t>
+            </a:r>
+            <a:r>
+              <a:rPr lang="en-US" dirty="0">
+                <a:solidFill>
+                  <a:schemeClr val="accent6"/>
+                </a:solidFill>
+              </a:rPr>
+              <a:t>)</a:t>
+            </a:r>
+            <a:r>
+              <a:rPr lang="en-US" dirty="0">
+                <a:solidFill>
+                  <a:schemeClr val="accent2"/>
+                </a:solidFill>
+              </a:rPr>
+              <a:t>.</a:t>
+            </a:r>
+            <a:r>
+              <a:rPr lang="en-US" dirty="0"/>
+              <a:t> </a:t>
+            </a:r>
+          </a:p>
+          <a:p>
+            <a:r>
+              <a:rPr lang="en-US" dirty="0"/>
+              <a:t>These two plans are not the same thing</a:t>
+            </a:r>
+            <a:r>
+              <a:rPr lang="en-US" dirty="0">
+                <a:solidFill>
+                  <a:schemeClr val="accent2"/>
+                </a:solidFill>
+              </a:rPr>
+              <a:t>!</a:t>
+            </a:r>
+          </a:p>
+          <a:p>
+            <a:r>
+              <a:rPr lang="en-US" dirty="0"/>
+              <a:t>If the hardest part of your algorithm plan is late in the sequence, you may still choose to code it first to figure out how to do it</a:t>
+            </a:r>
+            <a:r>
+              <a:rPr lang="en-US" dirty="0">
+                <a:solidFill>
+                  <a:schemeClr val="accent2"/>
+                </a:solidFill>
+              </a:rPr>
+              <a:t>.</a:t>
+            </a:r>
+            <a:r>
+              <a:rPr lang="en-US" dirty="0"/>
+              <a:t> </a:t>
+            </a:r>
+            <a:r>
+              <a:rPr lang="en-US" dirty="0">
+                <a:solidFill>
+                  <a:schemeClr val="accent6"/>
+                </a:solidFill>
+              </a:rPr>
+              <a:t>(</a:t>
+            </a:r>
+            <a:r>
+              <a:rPr lang="en-US" dirty="0"/>
+              <a:t>Figuring it out may change other parts of your algorithm plan</a:t>
+            </a:r>
+            <a:r>
+              <a:rPr lang="en-US" dirty="0">
+                <a:solidFill>
+                  <a:schemeClr val="accent2"/>
+                </a:solidFill>
+              </a:rPr>
+              <a:t>!</a:t>
+            </a:r>
+            <a:r>
+              <a:rPr lang="en-US" dirty="0">
+                <a:solidFill>
+                  <a:schemeClr val="accent6"/>
+                </a:solidFill>
+              </a:rPr>
+              <a:t>)</a:t>
             </a:r>
             <a:r>
               <a:rPr lang="en-US" dirty="0">
@@ -8981,7 +9325,7 @@
     </p:spTree>
     <p:extLst>
       <p:ext uri="{BB962C8B-B14F-4D97-AF65-F5344CB8AC3E}">
-        <p14:creationId xmlns:p14="http://schemas.microsoft.com/office/powerpoint/2010/main" val="2531539681"/>
+        <p14:creationId xmlns:p14="http://schemas.microsoft.com/office/powerpoint/2010/main" val="597367991"/>
       </p:ext>
     </p:extLst>
   </p:cSld>
@@ -9073,7 +9417,7 @@
                   <a:schemeClr val="accent6"/>
                 </a:solidFill>
               </a:rPr>
-              <a:t>Define Test Cases</a:t>
+              <a:t>Select a Solution</a:t>
             </a:r>
             <a:r>
               <a:rPr lang="en-US" b="1" dirty="0">
@@ -9095,7 +9439,19 @@
           <a:p>
             <a:r>
               <a:rPr lang="en-US" dirty="0"/>
-              <a:t>Create some examples that reflect your code solving the problem: input and output</a:t>
+              <a:t>Based on the different algorithm and programming plans</a:t>
+            </a:r>
+            <a:r>
+              <a:rPr lang="en-US" dirty="0">
+                <a:solidFill>
+                  <a:schemeClr val="accent2"/>
+                </a:solidFill>
+              </a:rPr>
+              <a:t>,</a:t>
+            </a:r>
+            <a:r>
+              <a:rPr lang="en-US" dirty="0"/>
+              <a:t> decide which is the most promising</a:t>
             </a:r>
             <a:r>
               <a:rPr lang="en-US" dirty="0">
@@ -9123,7 +9479,7 @@
     </p:spTree>
     <p:extLst>
       <p:ext uri="{BB962C8B-B14F-4D97-AF65-F5344CB8AC3E}">
-        <p14:creationId xmlns:p14="http://schemas.microsoft.com/office/powerpoint/2010/main" val="457186222"/>
+        <p14:creationId xmlns:p14="http://schemas.microsoft.com/office/powerpoint/2010/main" val="2068204791"/>
       </p:ext>
     </p:extLst>
   </p:cSld>
@@ -9215,7 +9571,7 @@
                   <a:schemeClr val="accent6"/>
                 </a:solidFill>
               </a:rPr>
-              <a:t>Generate Multiple Solutions</a:t>
+              <a:t>Implement the Solution</a:t>
             </a:r>
             <a:r>
               <a:rPr lang="en-US" b="1" dirty="0">
@@ -9237,7 +9593,7 @@
           <a:p>
             <a:r>
               <a:rPr lang="en-US" dirty="0"/>
-              <a:t>At this point a </a:t>
+              <a:t>Start to execute your programming plan</a:t>
             </a:r>
             <a:r>
               <a:rPr lang="en-US" dirty="0">
@@ -9245,11 +9601,17 @@
                   <a:schemeClr val="accent2"/>
                 </a:solidFill>
               </a:rPr>
-              <a:t>"</a:t>
-            </a:r>
-            <a:r>
-              <a:rPr lang="en-US" dirty="0"/>
-              <a:t>solution</a:t>
+              <a:t>.</a:t>
+            </a:r>
+            <a:r>
+              <a:rPr lang="en-US" dirty="0"/>
+              <a:t> </a:t>
+            </a:r>
+          </a:p>
+          <a:p>
+            <a:r>
+              <a:rPr lang="en-US" dirty="0"/>
+              <a:t>Test as you go</a:t>
             </a:r>
             <a:r>
               <a:rPr lang="en-US" dirty="0">
@@ -9257,23 +9619,17 @@
                   <a:schemeClr val="accent2"/>
                 </a:solidFill>
               </a:rPr>
-              <a:t>"</a:t>
-            </a:r>
-            <a:r>
-              <a:rPr lang="en-US" dirty="0"/>
-              <a:t> consists of an algorithm plan </a:t>
-            </a:r>
-            <a:r>
-              <a:rPr lang="en-US" dirty="0">
-                <a:solidFill>
-                  <a:schemeClr val="accent6"/>
-                </a:solidFill>
-              </a:rPr>
-              <a:t>(</a:t>
-            </a:r>
-            <a:r>
-              <a:rPr lang="en-US" dirty="0"/>
-              <a:t>the high</a:t>
+              <a:t>!</a:t>
+            </a:r>
+            <a:r>
+              <a:rPr lang="en-US" dirty="0"/>
+              <a:t> </a:t>
+            </a:r>
+          </a:p>
+          <a:p>
+            <a:r>
+              <a:rPr lang="en-US" dirty="0"/>
+              <a:t>You may realize that your algorithm plan doesn</a:t>
             </a:r>
             <a:r>
               <a:rPr lang="en-US" dirty="0">
@@ -9281,35 +9637,11 @@
                   <a:schemeClr val="accent2"/>
                 </a:solidFill>
               </a:rPr>
-              <a:t>-</a:t>
-            </a:r>
-            <a:r>
-              <a:rPr lang="en-US" dirty="0"/>
-              <a:t>level sequence steps defining what your algorithm will do</a:t>
-            </a:r>
-            <a:r>
-              <a:rPr lang="en-US" dirty="0">
-                <a:solidFill>
-                  <a:schemeClr val="accent6"/>
-                </a:solidFill>
-              </a:rPr>
-              <a:t>)</a:t>
-            </a:r>
-            <a:r>
-              <a:rPr lang="en-US" dirty="0"/>
-              <a:t> and a programming plan </a:t>
-            </a:r>
-            <a:r>
-              <a:rPr lang="en-US" dirty="0">
-                <a:solidFill>
-                  <a:schemeClr val="accent6"/>
-                </a:solidFill>
-              </a:rPr>
-              <a:t>(</a:t>
-            </a:r>
-            <a:r>
-              <a:rPr lang="en-US" dirty="0"/>
-              <a:t>the high</a:t>
+              <a:t>'</a:t>
+            </a:r>
+            <a:r>
+              <a:rPr lang="en-US" dirty="0"/>
+              <a:t>t solve the problem</a:t>
             </a:r>
             <a:r>
               <a:rPr lang="en-US" dirty="0">
@@ -9317,19 +9649,11 @@
                   <a:schemeClr val="accent2"/>
                 </a:solidFill>
               </a:rPr>
-              <a:t>-</a:t>
-            </a:r>
-            <a:r>
-              <a:rPr lang="en-US" dirty="0"/>
-              <a:t>level sequence of steps that you will take to code the algorithm</a:t>
-            </a:r>
-            <a:r>
-              <a:rPr lang="en-US" dirty="0">
-                <a:solidFill>
-                  <a:schemeClr val="accent6"/>
-                </a:solidFill>
-              </a:rPr>
-              <a:t>)</a:t>
+              <a:t>,</a:t>
+            </a:r>
+            <a:r>
+              <a:rPr lang="en-US" dirty="0"/>
+              <a:t> or even that you do not understand the problem</a:t>
             </a:r>
             <a:r>
               <a:rPr lang="en-US" dirty="0">
@@ -9339,15 +9663,11 @@
               </a:rPr>
               <a:t>.</a:t>
             </a:r>
-            <a:r>
-              <a:rPr lang="en-US" dirty="0"/>
-              <a:t> </a:t>
-            </a:r>
-          </a:p>
-          <a:p>
-            <a:r>
-              <a:rPr lang="en-US" dirty="0"/>
-              <a:t>These two plans are not the same thing</a:t>
+          </a:p>
+          <a:p>
+            <a:r>
+              <a:rPr lang="en-US" dirty="0"/>
+              <a:t>If so</a:t>
             </a:r>
             <a:r>
               <a:rPr lang="en-US" dirty="0">
@@ -9355,53 +9675,11 @@
                   <a:schemeClr val="accent2"/>
                 </a:solidFill>
               </a:rPr>
-              <a:t>!</a:t>
-            </a:r>
-          </a:p>
-          <a:p>
-            <a:r>
-              <a:rPr lang="en-US" dirty="0"/>
-              <a:t>If the hardest part of your algorithm plan is late in the sequence, you may still choose to code it first to figure out how to do it</a:t>
-            </a:r>
-            <a:r>
-              <a:rPr lang="en-US" dirty="0">
-                <a:solidFill>
-                  <a:schemeClr val="accent2"/>
-                </a:solidFill>
-              </a:rPr>
-              <a:t>.</a:t>
-            </a:r>
-            <a:r>
-              <a:rPr lang="en-US" dirty="0"/>
-              <a:t> </a:t>
-            </a:r>
-            <a:r>
-              <a:rPr lang="en-US" dirty="0">
-                <a:solidFill>
-                  <a:schemeClr val="accent6"/>
-                </a:solidFill>
-              </a:rPr>
-              <a:t>(</a:t>
-            </a:r>
-            <a:r>
-              <a:rPr lang="en-US" dirty="0"/>
-              <a:t>Figuring it out may change other parts of your algorithm plan</a:t>
-            </a:r>
-            <a:r>
-              <a:rPr lang="en-US" dirty="0">
-                <a:solidFill>
-                  <a:schemeClr val="accent2"/>
-                </a:solidFill>
-              </a:rPr>
-              <a:t>!</a:t>
-            </a:r>
-            <a:r>
-              <a:rPr lang="en-US" dirty="0">
-                <a:solidFill>
-                  <a:schemeClr val="accent6"/>
-                </a:solidFill>
-              </a:rPr>
-              <a:t>)</a:t>
+              <a:t>,</a:t>
+            </a:r>
+            <a:r>
+              <a:rPr lang="en-US" dirty="0"/>
+              <a:t> go back to earlier steps</a:t>
             </a:r>
             <a:r>
               <a:rPr lang="en-US" dirty="0">
@@ -9429,7 +9707,7 @@
     </p:spTree>
     <p:extLst>
       <p:ext uri="{BB962C8B-B14F-4D97-AF65-F5344CB8AC3E}">
-        <p14:creationId xmlns:p14="http://schemas.microsoft.com/office/powerpoint/2010/main" val="597367991"/>
+        <p14:creationId xmlns:p14="http://schemas.microsoft.com/office/powerpoint/2010/main" val="3972877160"/>
       </p:ext>
     </p:extLst>
   </p:cSld>
@@ -9521,7 +9799,7 @@
                   <a:schemeClr val="accent6"/>
                 </a:solidFill>
               </a:rPr>
-              <a:t>Select a Solution</a:t>
+              <a:t>Perform Final Testing</a:t>
             </a:r>
             <a:r>
               <a:rPr lang="en-US" b="1" dirty="0">
@@ -9543,19 +9821,7 @@
           <a:p>
             <a:r>
               <a:rPr lang="en-US" dirty="0"/>
-              <a:t>Based on the different algorithm and programming plans</a:t>
-            </a:r>
-            <a:r>
-              <a:rPr lang="en-US" dirty="0">
-                <a:solidFill>
-                  <a:schemeClr val="accent2"/>
-                </a:solidFill>
-              </a:rPr>
-              <a:t>,</a:t>
-            </a:r>
-            <a:r>
-              <a:rPr lang="en-US" dirty="0"/>
-              <a:t> decide which is the most promising</a:t>
+              <a:t>Make sure that your original test cases as well as any others that you have thought up work</a:t>
             </a:r>
             <a:r>
               <a:rPr lang="en-US" dirty="0">
@@ -9583,7 +9849,7 @@
     </p:spTree>
     <p:extLst>
       <p:ext uri="{BB962C8B-B14F-4D97-AF65-F5344CB8AC3E}">
-        <p14:creationId xmlns:p14="http://schemas.microsoft.com/office/powerpoint/2010/main" val="2068204791"/>
+        <p14:creationId xmlns:p14="http://schemas.microsoft.com/office/powerpoint/2010/main" val="3882883908"/>
       </p:ext>
     </p:extLst>
   </p:cSld>
@@ -9626,7 +9892,12 @@
             <p:ph type="title"/>
           </p:nvPr>
         </p:nvSpPr>
-        <p:spPr/>
+        <p:spPr>
+          <a:xfrm>
+            <a:off x="838200" y="727514"/>
+            <a:ext cx="10515600" cy="656148"/>
+          </a:xfrm>
+        </p:spPr>
         <p:txBody>
           <a:bodyPr>
             <a:normAutofit fontScale="90000"/>
@@ -9670,34 +9941,59 @@
           <a:lstStyle/>
           <a:p>
             <a:r>
-              <a:rPr lang="en-US" b="1" dirty="0">
-                <a:solidFill>
-                  <a:schemeClr val="accent6"/>
-                </a:solidFill>
-              </a:rPr>
-              <a:t>Implement the Solution</a:t>
-            </a:r>
-            <a:r>
-              <a:rPr lang="en-US" b="1" dirty="0">
+              <a:rPr lang="en-US" dirty="0"/>
+              <a:t>It is critical to realize that programming is</a:t>
+            </a:r>
+            <a:r>
+              <a:rPr lang="en-US" dirty="0">
                 <a:solidFill>
                   <a:schemeClr val="accent2"/>
                 </a:solidFill>
               </a:rPr>
+              <a:t>:</a:t>
+            </a:r>
+          </a:p>
+          <a:p>
+            <a:pPr lvl="1"/>
+            <a:r>
+              <a:rPr lang="en-US" dirty="0"/>
+              <a:t>Iterative</a:t>
+            </a:r>
+            <a:r>
+              <a:rPr lang="en-US" dirty="0">
+                <a:solidFill>
+                  <a:schemeClr val="accent2"/>
+                </a:solidFill>
+              </a:rPr>
+              <a:t>:</a:t>
+            </a:r>
+            <a:r>
+              <a:rPr lang="en-US" dirty="0"/>
+              <a:t> you will go back and change your algorithm</a:t>
+            </a:r>
+            <a:r>
+              <a:rPr lang="en-US" dirty="0">
+                <a:solidFill>
+                  <a:schemeClr val="accent2"/>
+                </a:solidFill>
+              </a:rPr>
+              <a:t>/</a:t>
+            </a:r>
+            <a:r>
+              <a:rPr lang="en-US" dirty="0"/>
+              <a:t>programming plan</a:t>
+            </a:r>
+            <a:r>
+              <a:rPr lang="en-US" dirty="0">
+                <a:solidFill>
+                  <a:schemeClr val="accent2"/>
+                </a:solidFill>
+              </a:rPr>
               <a:t>.</a:t>
             </a:r>
             <a:r>
-              <a:rPr lang="en-US" dirty="0">
-                <a:solidFill>
-                  <a:schemeClr val="accent6"/>
-                </a:solidFill>
-              </a:rPr>
-              <a:t> </a:t>
-            </a:r>
-          </a:p>
-          <a:p>
-            <a:r>
-              <a:rPr lang="en-US" dirty="0"/>
-              <a:t>Start to execute your programming plan</a:t>
+              <a:rPr lang="en-US" dirty="0"/>
+              <a:t> You will write some code during Step 3</a:t>
             </a:r>
             <a:r>
               <a:rPr lang="en-US" dirty="0">
@@ -9705,17 +10001,23 @@
                   <a:schemeClr val="accent2"/>
                 </a:solidFill>
               </a:rPr>
+              <a:t>:</a:t>
+            </a:r>
+            <a:r>
+              <a:rPr lang="en-US" dirty="0"/>
+              <a:t> you might not be able to define a solution without writing some code to solve part of the problem</a:t>
+            </a:r>
+            <a:r>
+              <a:rPr lang="en-US" dirty="0">
+                <a:solidFill>
+                  <a:schemeClr val="accent2"/>
+                </a:solidFill>
+              </a:rPr>
               <a:t>.</a:t>
             </a:r>
             <a:r>
               <a:rPr lang="en-US" dirty="0"/>
-              <a:t> </a:t>
-            </a:r>
-          </a:p>
-          <a:p>
-            <a:r>
-              <a:rPr lang="en-US" dirty="0"/>
-              <a:t>Test as you go</a:t>
+              <a:t> You will move back</a:t>
             </a:r>
             <a:r>
               <a:rPr lang="en-US" dirty="0">
@@ -9723,75 +10025,70 @@
                   <a:schemeClr val="accent2"/>
                 </a:solidFill>
               </a:rPr>
+              <a:t>-</a:t>
+            </a:r>
+            <a:r>
+              <a:rPr lang="en-US" dirty="0"/>
+              <a:t>and</a:t>
+            </a:r>
+            <a:r>
+              <a:rPr lang="en-US" dirty="0">
+                <a:solidFill>
+                  <a:schemeClr val="accent2"/>
+                </a:solidFill>
+              </a:rPr>
+              <a:t>-</a:t>
+            </a:r>
+            <a:r>
+              <a:rPr lang="en-US" dirty="0"/>
+              <a:t>forth in this process</a:t>
+            </a:r>
+            <a:r>
+              <a:rPr lang="en-US" dirty="0">
+                <a:solidFill>
+                  <a:schemeClr val="accent2"/>
+                </a:solidFill>
+              </a:rPr>
+              <a:t>.</a:t>
+            </a:r>
+          </a:p>
+          <a:p>
+            <a:pPr lvl="1"/>
+            <a:r>
+              <a:rPr lang="en-US" dirty="0"/>
+              <a:t>A lot about finding your own mistakes</a:t>
+            </a:r>
+            <a:r>
+              <a:rPr lang="en-US" dirty="0">
+                <a:solidFill>
+                  <a:schemeClr val="accent2"/>
+                </a:solidFill>
+              </a:rPr>
+              <a:t>:</a:t>
+            </a:r>
+            <a:r>
+              <a:rPr lang="en-US" dirty="0"/>
+              <a:t> even for good programmers</a:t>
+            </a:r>
+            <a:r>
+              <a:rPr lang="en-US" dirty="0">
+                <a:solidFill>
+                  <a:schemeClr val="accent2"/>
+                </a:solidFill>
+              </a:rPr>
+              <a:t>,</a:t>
+            </a:r>
+            <a:r>
+              <a:rPr lang="en-US" dirty="0"/>
+              <a:t> most of their time is spent testing and debugging</a:t>
+            </a:r>
+            <a:r>
+              <a:rPr lang="en-US" dirty="0">
+                <a:solidFill>
+                  <a:schemeClr val="accent2"/>
+                </a:solidFill>
+              </a:rPr>
               <a:t>!</a:t>
-            </a:r>
-            <a:r>
-              <a:rPr lang="en-US" dirty="0"/>
-              <a:t> </a:t>
-            </a:r>
-          </a:p>
-          <a:p>
-            <a:r>
-              <a:rPr lang="en-US" dirty="0"/>
-              <a:t>You may realize that your algorithm plan doesn</a:t>
-            </a:r>
-            <a:r>
-              <a:rPr lang="en-US" dirty="0">
-                <a:solidFill>
-                  <a:schemeClr val="accent2"/>
-                </a:solidFill>
-              </a:rPr>
-              <a:t>'</a:t>
-            </a:r>
-            <a:r>
-              <a:rPr lang="en-US" dirty="0"/>
-              <a:t>t solve the problem</a:t>
-            </a:r>
-            <a:r>
-              <a:rPr lang="en-US" dirty="0">
-                <a:solidFill>
-                  <a:schemeClr val="accent2"/>
-                </a:solidFill>
-              </a:rPr>
-              <a:t>,</a:t>
-            </a:r>
-            <a:r>
-              <a:rPr lang="en-US" dirty="0"/>
-              <a:t> or even that you do not understand the problem</a:t>
-            </a:r>
-            <a:r>
-              <a:rPr lang="en-US" dirty="0">
-                <a:solidFill>
-                  <a:schemeClr val="accent2"/>
-                </a:solidFill>
-              </a:rPr>
-              <a:t>.</a:t>
-            </a:r>
-          </a:p>
-          <a:p>
-            <a:r>
-              <a:rPr lang="en-US" dirty="0"/>
-              <a:t>If so</a:t>
-            </a:r>
-            <a:r>
-              <a:rPr lang="en-US" dirty="0">
-                <a:solidFill>
-                  <a:schemeClr val="accent2"/>
-                </a:solidFill>
-              </a:rPr>
-              <a:t>,</a:t>
-            </a:r>
-            <a:r>
-              <a:rPr lang="en-US" dirty="0"/>
-              <a:t> go back to earlier steps</a:t>
-            </a:r>
-            <a:r>
-              <a:rPr lang="en-US" dirty="0">
-                <a:solidFill>
-                  <a:schemeClr val="accent2"/>
-                </a:solidFill>
-              </a:rPr>
-              <a:t>.</a:t>
             </a:r>
             <a:br>
               <a:rPr lang="en-US" dirty="0">
@@ -9811,7 +10108,7 @@
     </p:spTree>
     <p:extLst>
       <p:ext uri="{BB962C8B-B14F-4D97-AF65-F5344CB8AC3E}">
-        <p14:creationId xmlns:p14="http://schemas.microsoft.com/office/powerpoint/2010/main" val="3972877160"/>
+        <p14:creationId xmlns:p14="http://schemas.microsoft.com/office/powerpoint/2010/main" val="321828140"/>
       </p:ext>
     </p:extLst>
   </p:cSld>
@@ -9843,7 +10140,7 @@
           <p:cNvPr id="4" name="Title 3">
             <a:extLst>
               <a:ext uri="{FF2B5EF4-FFF2-40B4-BE49-F238E27FC236}">
-                <a16:creationId xmlns:a16="http://schemas.microsoft.com/office/drawing/2014/main" id="{84B04D02-878B-43E7-9C87-4475A137AB28}"/>
+                <a16:creationId xmlns:a16="http://schemas.microsoft.com/office/drawing/2014/main" id="{0C118C3C-13F5-4EA8-9EA9-3448AC35375E}"/>
               </a:ext>
             </a:extLst>
           </p:cNvPr>
@@ -9863,9 +10160,8 @@
           <a:p>
             <a:r>
               <a:rPr lang="en-US" b="1" dirty="0"/>
-              <a:t>A Design Process for Programming</a:t>
-            </a:r>
-            <a:endParaRPr lang="en-US" dirty="0"/>
+              <a:t>Lecture Recap</a:t>
+            </a:r>
           </a:p>
         </p:txBody>
       </p:sp>
@@ -9874,7 +10170,7 @@
           <p:cNvPr id="5" name="Content Placeholder 4">
             <a:extLst>
               <a:ext uri="{FF2B5EF4-FFF2-40B4-BE49-F238E27FC236}">
-                <a16:creationId xmlns:a16="http://schemas.microsoft.com/office/drawing/2014/main" id="{3F716CDE-3A27-4CFD-83C8-4FEA958C16D7}"/>
+                <a16:creationId xmlns:a16="http://schemas.microsoft.com/office/drawing/2014/main" id="{85F37492-86E3-47CA-8641-D7457D28B946}"/>
               </a:ext>
             </a:extLst>
           </p:cNvPr>
@@ -9885,75 +10181,125 @@
             <p:ph idx="1"/>
           </p:nvPr>
         </p:nvSpPr>
-        <p:spPr>
-          <a:xfrm>
-            <a:off x="838200" y="1825624"/>
-            <a:ext cx="11217442" cy="4912060"/>
-          </a:xfrm>
-        </p:spPr>
+        <p:spPr/>
         <p:txBody>
           <a:bodyPr>
-            <a:normAutofit/>
+            <a:normAutofit lnSpcReduction="10000"/>
           </a:bodyPr>
           <a:lstStyle/>
           <a:p>
             <a:r>
-              <a:rPr lang="en-US" b="1" dirty="0">
-                <a:solidFill>
-                  <a:schemeClr val="accent6"/>
-                </a:solidFill>
-              </a:rPr>
-              <a:t>Perform Final Testing</a:t>
-            </a:r>
-            <a:r>
-              <a:rPr lang="en-US" b="1" dirty="0">
+              <a:rPr lang="en-US" sz="3200" dirty="0"/>
+              <a:t>The syntax of function definitions</a:t>
+            </a:r>
+            <a:r>
+              <a:rPr lang="en-US" sz="3200" dirty="0">
                 <a:solidFill>
                   <a:schemeClr val="accent2"/>
                 </a:solidFill>
               </a:rPr>
               <a:t>.</a:t>
             </a:r>
-            <a:r>
-              <a:rPr lang="en-US" dirty="0">
-                <a:solidFill>
-                  <a:schemeClr val="accent6"/>
-                </a:solidFill>
-              </a:rPr>
-              <a:t> </a:t>
-            </a:r>
-          </a:p>
-          <a:p>
-            <a:r>
-              <a:rPr lang="en-US" dirty="0"/>
-              <a:t>Make sure that your original test cases as well as any others that you have thought up work</a:t>
-            </a:r>
-            <a:r>
-              <a:rPr lang="en-US" dirty="0">
+          </a:p>
+          <a:p>
+            <a:r>
+              <a:rPr lang="en-US" sz="3200" dirty="0"/>
+              <a:t>A design recipe for writing functions</a:t>
+            </a:r>
+            <a:r>
+              <a:rPr lang="en-US" sz="3200" dirty="0">
                 <a:solidFill>
                   <a:schemeClr val="accent2"/>
                 </a:solidFill>
               </a:rPr>
               <a:t>.</a:t>
             </a:r>
-            <a:br>
-              <a:rPr lang="en-US" dirty="0">
-                <a:solidFill>
-                  <a:schemeClr val="accent6"/>
-                </a:solidFill>
-              </a:rPr>
-            </a:br>
-            <a:endParaRPr lang="en-US" dirty="0">
-              <a:solidFill>
-                <a:schemeClr val="accent6"/>
-              </a:solidFill>
-            </a:endParaRPr>
+          </a:p>
+          <a:p>
+            <a:r>
+              <a:rPr lang="en-US" sz="3200" dirty="0"/>
+              <a:t>Nested function calls</a:t>
+            </a:r>
+            <a:r>
+              <a:rPr lang="en-US" sz="3200" dirty="0">
+                <a:solidFill>
+                  <a:schemeClr val="accent2"/>
+                </a:solidFill>
+              </a:rPr>
+              <a:t>.</a:t>
+            </a:r>
+          </a:p>
+          <a:p>
+            <a:r>
+              <a:rPr lang="en-US" sz="3200" dirty="0"/>
+              <a:t>Calling functions from within functions</a:t>
+            </a:r>
+            <a:r>
+              <a:rPr lang="en-US" sz="3200" dirty="0">
+                <a:solidFill>
+                  <a:schemeClr val="accent2"/>
+                </a:solidFill>
+              </a:rPr>
+              <a:t>.</a:t>
+            </a:r>
+          </a:p>
+          <a:p>
+            <a:r>
+              <a:rPr lang="en-US" sz="3200" dirty="0"/>
+              <a:t>An Engineering Design Process for Programming</a:t>
+            </a:r>
+            <a:r>
+              <a:rPr lang="en-US" sz="3200" dirty="0">
+                <a:solidFill>
+                  <a:schemeClr val="accent2"/>
+                </a:solidFill>
+              </a:rPr>
+              <a:t>.</a:t>
+            </a:r>
+          </a:p>
+          <a:p>
+            <a:endParaRPr lang="en-US" sz="3200" dirty="0"/>
+          </a:p>
+          <a:p>
+            <a:r>
+              <a:rPr lang="en-US" sz="3200" dirty="0"/>
+              <a:t>See Chapter 3 of the textbook</a:t>
+            </a:r>
+            <a:r>
+              <a:rPr lang="en-US" sz="3200" dirty="0">
+                <a:solidFill>
+                  <a:schemeClr val="accent2"/>
+                </a:solidFill>
+              </a:rPr>
+              <a:t>.</a:t>
+            </a:r>
+          </a:p>
+          <a:p>
+            <a:pPr marL="0" indent="0">
+              <a:buNone/>
+            </a:pPr>
+            <a:endParaRPr lang="en-US" sz="3200" dirty="0"/>
+          </a:p>
+          <a:p>
+            <a:r>
+              <a:rPr lang="en-US" sz="3200" dirty="0"/>
+              <a:t>More on engineering design next lecture</a:t>
+            </a:r>
+            <a:r>
+              <a:rPr lang="en-US" sz="3200" dirty="0">
+                <a:solidFill>
+                  <a:schemeClr val="accent2"/>
+                </a:solidFill>
+              </a:rPr>
+              <a:t>!</a:t>
+            </a:r>
           </a:p>
         </p:txBody>
       </p:sp>
     </p:spTree>
     <p:extLst>
       <p:ext uri="{BB962C8B-B14F-4D97-AF65-F5344CB8AC3E}">
-        <p14:creationId xmlns:p14="http://schemas.microsoft.com/office/powerpoint/2010/main" val="3882883908"/>
+        <p14:creationId xmlns:p14="http://schemas.microsoft.com/office/powerpoint/2010/main" val="577522275"/>
       </p:ext>
     </p:extLst>
   </p:cSld>
@@ -9982,456 +10328,6 @@
       </p:grpSpPr>
       <p:sp>
         <p:nvSpPr>
-          <p:cNvPr id="4" name="Title 3">
-            <a:extLst>
-              <a:ext uri="{FF2B5EF4-FFF2-40B4-BE49-F238E27FC236}">
-                <a16:creationId xmlns:a16="http://schemas.microsoft.com/office/drawing/2014/main" id="{84B04D02-878B-43E7-9C87-4475A137AB28}"/>
-              </a:ext>
-            </a:extLst>
-          </p:cNvPr>
-          <p:cNvSpPr>
-            <a:spLocks noGrp="1"/>
-          </p:cNvSpPr>
-          <p:nvPr>
-            <p:ph type="title"/>
-          </p:nvPr>
-        </p:nvSpPr>
-        <p:spPr>
-          <a:xfrm>
-            <a:off x="838200" y="727514"/>
-            <a:ext cx="10515600" cy="656148"/>
-          </a:xfrm>
-        </p:spPr>
-        <p:txBody>
-          <a:bodyPr>
-            <a:normAutofit fontScale="90000"/>
-          </a:bodyPr>
-          <a:lstStyle/>
-          <a:p>
-            <a:r>
-              <a:rPr lang="en-US" b="1" dirty="0"/>
-              <a:t>A Design Process for Programming</a:t>
-            </a:r>
-            <a:endParaRPr lang="en-US" dirty="0"/>
-          </a:p>
-        </p:txBody>
-      </p:sp>
-      <p:sp>
-        <p:nvSpPr>
-          <p:cNvPr id="5" name="Content Placeholder 4">
-            <a:extLst>
-              <a:ext uri="{FF2B5EF4-FFF2-40B4-BE49-F238E27FC236}">
-                <a16:creationId xmlns:a16="http://schemas.microsoft.com/office/drawing/2014/main" id="{3F716CDE-3A27-4CFD-83C8-4FEA958C16D7}"/>
-              </a:ext>
-            </a:extLst>
-          </p:cNvPr>
-          <p:cNvSpPr>
-            <a:spLocks noGrp="1"/>
-          </p:cNvSpPr>
-          <p:nvPr>
-            <p:ph idx="1"/>
-          </p:nvPr>
-        </p:nvSpPr>
-        <p:spPr>
-          <a:xfrm>
-            <a:off x="838200" y="1825624"/>
-            <a:ext cx="11217442" cy="4912060"/>
-          </a:xfrm>
-        </p:spPr>
-        <p:txBody>
-          <a:bodyPr>
-            <a:normAutofit/>
-          </a:bodyPr>
-          <a:lstStyle/>
-          <a:p>
-            <a:r>
-              <a:rPr lang="en-US" dirty="0"/>
-              <a:t>It is critical to realize that programming is</a:t>
-            </a:r>
-            <a:r>
-              <a:rPr lang="en-US" dirty="0">
-                <a:solidFill>
-                  <a:schemeClr val="accent2"/>
-                </a:solidFill>
-              </a:rPr>
-              <a:t>:</a:t>
-            </a:r>
-          </a:p>
-          <a:p>
-            <a:pPr lvl="1"/>
-            <a:r>
-              <a:rPr lang="en-US" dirty="0"/>
-              <a:t>Iterative</a:t>
-            </a:r>
-            <a:r>
-              <a:rPr lang="en-US" dirty="0">
-                <a:solidFill>
-                  <a:schemeClr val="accent2"/>
-                </a:solidFill>
-              </a:rPr>
-              <a:t>:</a:t>
-            </a:r>
-            <a:r>
-              <a:rPr lang="en-US" dirty="0"/>
-              <a:t> you will go back and change your algorithm</a:t>
-            </a:r>
-            <a:r>
-              <a:rPr lang="en-US" dirty="0">
-                <a:solidFill>
-                  <a:schemeClr val="accent2"/>
-                </a:solidFill>
-              </a:rPr>
-              <a:t>/</a:t>
-            </a:r>
-            <a:r>
-              <a:rPr lang="en-US" dirty="0"/>
-              <a:t>programming plan</a:t>
-            </a:r>
-            <a:r>
-              <a:rPr lang="en-US" dirty="0">
-                <a:solidFill>
-                  <a:schemeClr val="accent2"/>
-                </a:solidFill>
-              </a:rPr>
-              <a:t>.</a:t>
-            </a:r>
-            <a:r>
-              <a:rPr lang="en-US" dirty="0"/>
-              <a:t> You will write some code during Step 3</a:t>
-            </a:r>
-            <a:r>
-              <a:rPr lang="en-US" dirty="0">
-                <a:solidFill>
-                  <a:schemeClr val="accent2"/>
-                </a:solidFill>
-              </a:rPr>
-              <a:t>:</a:t>
-            </a:r>
-            <a:r>
-              <a:rPr lang="en-US" dirty="0"/>
-              <a:t> you might not be able to define a solution without writing some code to solve part of the problem</a:t>
-            </a:r>
-            <a:r>
-              <a:rPr lang="en-US" dirty="0">
-                <a:solidFill>
-                  <a:schemeClr val="accent2"/>
-                </a:solidFill>
-              </a:rPr>
-              <a:t>.</a:t>
-            </a:r>
-            <a:r>
-              <a:rPr lang="en-US" dirty="0"/>
-              <a:t> You will move back</a:t>
-            </a:r>
-            <a:r>
-              <a:rPr lang="en-US" dirty="0">
-                <a:solidFill>
-                  <a:schemeClr val="accent2"/>
-                </a:solidFill>
-              </a:rPr>
-              <a:t>-</a:t>
-            </a:r>
-            <a:r>
-              <a:rPr lang="en-US" dirty="0"/>
-              <a:t>and</a:t>
-            </a:r>
-            <a:r>
-              <a:rPr lang="en-US" dirty="0">
-                <a:solidFill>
-                  <a:schemeClr val="accent2"/>
-                </a:solidFill>
-              </a:rPr>
-              <a:t>-</a:t>
-            </a:r>
-            <a:r>
-              <a:rPr lang="en-US" dirty="0"/>
-              <a:t>forth in this process</a:t>
-            </a:r>
-            <a:r>
-              <a:rPr lang="en-US" dirty="0">
-                <a:solidFill>
-                  <a:schemeClr val="accent2"/>
-                </a:solidFill>
-              </a:rPr>
-              <a:t>.</a:t>
-            </a:r>
-          </a:p>
-          <a:p>
-            <a:pPr lvl="1"/>
-            <a:r>
-              <a:rPr lang="en-US" dirty="0"/>
-              <a:t>A lot about finding your own mistakes</a:t>
-            </a:r>
-            <a:r>
-              <a:rPr lang="en-US" dirty="0">
-                <a:solidFill>
-                  <a:schemeClr val="accent2"/>
-                </a:solidFill>
-              </a:rPr>
-              <a:t>:</a:t>
-            </a:r>
-            <a:r>
-              <a:rPr lang="en-US" dirty="0"/>
-              <a:t> even for good programmers</a:t>
-            </a:r>
-            <a:r>
-              <a:rPr lang="en-US" dirty="0">
-                <a:solidFill>
-                  <a:schemeClr val="accent2"/>
-                </a:solidFill>
-              </a:rPr>
-              <a:t>,</a:t>
-            </a:r>
-            <a:r>
-              <a:rPr lang="en-US" dirty="0"/>
-              <a:t> most of their time is spent testing and debugging</a:t>
-            </a:r>
-            <a:r>
-              <a:rPr lang="en-US" dirty="0">
-                <a:solidFill>
-                  <a:schemeClr val="accent2"/>
-                </a:solidFill>
-              </a:rPr>
-              <a:t>!</a:t>
-            </a:r>
-            <a:br>
-              <a:rPr lang="en-US" dirty="0">
-                <a:solidFill>
-                  <a:schemeClr val="accent6"/>
-                </a:solidFill>
-              </a:rPr>
-            </a:br>
-            <a:endParaRPr lang="en-US" dirty="0">
-              <a:solidFill>
-                <a:schemeClr val="accent6"/>
-              </a:solidFill>
-            </a:endParaRPr>
-          </a:p>
-        </p:txBody>
-      </p:sp>
-    </p:spTree>
-    <p:extLst>
-      <p:ext uri="{BB962C8B-B14F-4D97-AF65-F5344CB8AC3E}">
-        <p14:creationId xmlns:p14="http://schemas.microsoft.com/office/powerpoint/2010/main" val="321828140"/>
-      </p:ext>
-    </p:extLst>
-  </p:cSld>
-  <p:clrMapOvr>
-    <a:masterClrMapping/>
-  </p:clrMapOvr>
-</p:sld>
-</file>
-
-<file path=ppt/slides/slide37.xml><?xml version="1.0" encoding="utf-8"?>
-<p:sld xmlns:a="http://schemas.openxmlformats.org/drawingml/2006/main" xmlns:r="http://schemas.openxmlformats.org/officeDocument/2006/relationships" xmlns:p="http://schemas.openxmlformats.org/presentationml/2006/main">
-  <p:cSld>
-    <p:spTree>
-      <p:nvGrpSpPr>
-        <p:cNvPr id="1" name=""/>
-        <p:cNvGrpSpPr/>
-        <p:nvPr/>
-      </p:nvGrpSpPr>
-      <p:grpSpPr>
-        <a:xfrm>
-          <a:off x="0" y="0"/>
-          <a:ext cx="0" cy="0"/>
-          <a:chOff x="0" y="0"/>
-          <a:chExt cx="0" cy="0"/>
-        </a:xfrm>
-      </p:grpSpPr>
-      <p:sp>
-        <p:nvSpPr>
-          <p:cNvPr id="4" name="Title 3">
-            <a:extLst>
-              <a:ext uri="{FF2B5EF4-FFF2-40B4-BE49-F238E27FC236}">
-                <a16:creationId xmlns:a16="http://schemas.microsoft.com/office/drawing/2014/main" id="{0C118C3C-13F5-4EA8-9EA9-3448AC35375E}"/>
-              </a:ext>
-            </a:extLst>
-          </p:cNvPr>
-          <p:cNvSpPr>
-            <a:spLocks noGrp="1"/>
-          </p:cNvSpPr>
-          <p:nvPr>
-            <p:ph type="title"/>
-          </p:nvPr>
-        </p:nvSpPr>
-        <p:spPr/>
-        <p:txBody>
-          <a:bodyPr>
-            <a:normAutofit fontScale="90000"/>
-          </a:bodyPr>
-          <a:lstStyle/>
-          <a:p>
-            <a:r>
-              <a:rPr lang="en-US" b="1" dirty="0"/>
-              <a:t>Lecture Recap</a:t>
-            </a:r>
-          </a:p>
-        </p:txBody>
-      </p:sp>
-      <p:sp>
-        <p:nvSpPr>
-          <p:cNvPr id="5" name="Content Placeholder 4">
-            <a:extLst>
-              <a:ext uri="{FF2B5EF4-FFF2-40B4-BE49-F238E27FC236}">
-                <a16:creationId xmlns:a16="http://schemas.microsoft.com/office/drawing/2014/main" id="{85F37492-86E3-47CA-8641-D7457D28B946}"/>
-              </a:ext>
-            </a:extLst>
-          </p:cNvPr>
-          <p:cNvSpPr>
-            <a:spLocks noGrp="1"/>
-          </p:cNvSpPr>
-          <p:nvPr>
-            <p:ph idx="1"/>
-          </p:nvPr>
-        </p:nvSpPr>
-        <p:spPr/>
-        <p:txBody>
-          <a:bodyPr>
-            <a:normAutofit lnSpcReduction="10000"/>
-          </a:bodyPr>
-          <a:lstStyle/>
-          <a:p>
-            <a:r>
-              <a:rPr lang="en-US" sz="3200" dirty="0"/>
-              <a:t>The syntax of function definitions</a:t>
-            </a:r>
-            <a:r>
-              <a:rPr lang="en-US" sz="3200" dirty="0">
-                <a:solidFill>
-                  <a:schemeClr val="accent2"/>
-                </a:solidFill>
-              </a:rPr>
-              <a:t>.</a:t>
-            </a:r>
-          </a:p>
-          <a:p>
-            <a:r>
-              <a:rPr lang="en-US" sz="3200" dirty="0"/>
-              <a:t>A design recipe for writing functions</a:t>
-            </a:r>
-            <a:r>
-              <a:rPr lang="en-US" sz="3200" dirty="0">
-                <a:solidFill>
-                  <a:schemeClr val="accent2"/>
-                </a:solidFill>
-              </a:rPr>
-              <a:t>.</a:t>
-            </a:r>
-          </a:p>
-          <a:p>
-            <a:r>
-              <a:rPr lang="en-US" sz="3200" dirty="0"/>
-              <a:t>Nested function calls</a:t>
-            </a:r>
-            <a:r>
-              <a:rPr lang="en-US" sz="3200" dirty="0">
-                <a:solidFill>
-                  <a:schemeClr val="accent2"/>
-                </a:solidFill>
-              </a:rPr>
-              <a:t>.</a:t>
-            </a:r>
-          </a:p>
-          <a:p>
-            <a:r>
-              <a:rPr lang="en-US" sz="3200" dirty="0"/>
-              <a:t>Calling functions from within functions</a:t>
-            </a:r>
-            <a:r>
-              <a:rPr lang="en-US" sz="3200" dirty="0">
-                <a:solidFill>
-                  <a:schemeClr val="accent2"/>
-                </a:solidFill>
-              </a:rPr>
-              <a:t>.</a:t>
-            </a:r>
-          </a:p>
-          <a:p>
-            <a:r>
-              <a:rPr lang="en-US" sz="3200" dirty="0"/>
-              <a:t>An Engineering Design Process for Programming</a:t>
-            </a:r>
-            <a:r>
-              <a:rPr lang="en-US" sz="3200" dirty="0">
-                <a:solidFill>
-                  <a:schemeClr val="accent2"/>
-                </a:solidFill>
-              </a:rPr>
-              <a:t>.</a:t>
-            </a:r>
-          </a:p>
-          <a:p>
-            <a:endParaRPr lang="en-US" sz="3200" dirty="0"/>
-          </a:p>
-          <a:p>
-            <a:r>
-              <a:rPr lang="en-US" sz="3200" dirty="0"/>
-              <a:t>See Chapter 3 of the textbook</a:t>
-            </a:r>
-            <a:r>
-              <a:rPr lang="en-US" sz="3200" dirty="0">
-                <a:solidFill>
-                  <a:schemeClr val="accent2"/>
-                </a:solidFill>
-              </a:rPr>
-              <a:t>.</a:t>
-            </a:r>
-          </a:p>
-          <a:p>
-            <a:pPr marL="0" indent="0">
-              <a:buNone/>
-            </a:pPr>
-            <a:endParaRPr lang="en-US" sz="3200" dirty="0"/>
-          </a:p>
-          <a:p>
-            <a:r>
-              <a:rPr lang="en-US" sz="3200" dirty="0"/>
-              <a:t>More on engineering design next lecture</a:t>
-            </a:r>
-            <a:r>
-              <a:rPr lang="en-US" sz="3200" dirty="0">
-                <a:solidFill>
-                  <a:schemeClr val="accent2"/>
-                </a:solidFill>
-              </a:rPr>
-              <a:t>!</a:t>
-            </a:r>
-          </a:p>
-        </p:txBody>
-      </p:sp>
-    </p:spTree>
-    <p:extLst>
-      <p:ext uri="{BB962C8B-B14F-4D97-AF65-F5344CB8AC3E}">
-        <p14:creationId xmlns:p14="http://schemas.microsoft.com/office/powerpoint/2010/main" val="577522275"/>
-      </p:ext>
-    </p:extLst>
-  </p:cSld>
-  <p:clrMapOvr>
-    <a:masterClrMapping/>
-  </p:clrMapOvr>
-</p:sld>
-</file>
-
-<file path=ppt/slides/slide38.xml><?xml version="1.0" encoding="utf-8"?>
-<p:sld xmlns:a="http://schemas.openxmlformats.org/drawingml/2006/main" xmlns:r="http://schemas.openxmlformats.org/officeDocument/2006/relationships" xmlns:p="http://schemas.openxmlformats.org/presentationml/2006/main">
-  <p:cSld>
-    <p:spTree>
-      <p:nvGrpSpPr>
-        <p:cNvPr id="1" name=""/>
-        <p:cNvGrpSpPr/>
-        <p:nvPr/>
-      </p:nvGrpSpPr>
-      <p:grpSpPr>
-        <a:xfrm>
-          <a:off x="0" y="0"/>
-          <a:ext cx="0" cy="0"/>
-          <a:chOff x="0" y="0"/>
-          <a:chExt cx="0" cy="0"/>
-        </a:xfrm>
-      </p:grpSpPr>
-      <p:sp>
-        <p:nvSpPr>
           <p:cNvPr id="2" name="Title 1">
             <a:extLst>
               <a:ext uri="{FF2B5EF4-FFF2-40B4-BE49-F238E27FC236}">
@@ -10453,8 +10349,17 @@
           <a:p>
             <a:r>
               <a:rPr lang="en-US" dirty="0"/>
-              <a:t>Writing Your Own Functions</a:t>
-            </a:r>
+              <a:t>writing your own function</a:t>
+            </a:r>
+            <a:r>
+              <a:rPr lang="en-US" dirty="0">
+                <a:solidFill>
+                  <a:schemeClr val="accent1"/>
+                </a:solidFill>
+              </a:rPr>
+              <a:t>.</a:t>
+            </a:r>
+            <a:endParaRPr lang="en-US" dirty="0"/>
           </a:p>
         </p:txBody>
       </p:sp>
@@ -10587,250 +10492,6 @@
           <a:chExt cx="0" cy="0"/>
         </a:xfrm>
       </p:grpSpPr>
-      <p:pic>
-        <p:nvPicPr>
-          <p:cNvPr id="8194" name="Picture 2" descr="code reviews - Code quality as measured in WTFs/minute. - devRant">
-            <a:extLst>
-              <a:ext uri="{FF2B5EF4-FFF2-40B4-BE49-F238E27FC236}">
-                <a16:creationId xmlns:a16="http://schemas.microsoft.com/office/drawing/2014/main" id="{11365DFE-674B-432F-840B-485C7688536E}"/>
-              </a:ext>
-            </a:extLst>
-          </p:cNvPr>
-          <p:cNvPicPr>
-            <a:picLocks noChangeAspect="1" noChangeArrowheads="1"/>
-          </p:cNvPicPr>
-          <p:nvPr/>
-        </p:nvPicPr>
-        <p:blipFill>
-          <a:blip r:embed="rId2">
-            <a:extLst>
-              <a:ext uri="{28A0092B-C50C-407E-A947-70E740481C1C}">
-                <a14:useLocalDpi xmlns:a14="http://schemas.microsoft.com/office/drawing/2010/main" val="0"/>
-              </a:ext>
-            </a:extLst>
-          </a:blip>
-          <a:srcRect/>
-          <a:stretch>
-            <a:fillRect/>
-          </a:stretch>
-        </p:blipFill>
-        <p:spPr bwMode="auto">
-          <a:xfrm>
-            <a:off x="6874041" y="1383662"/>
-            <a:ext cx="5281863" cy="5281863"/>
-          </a:xfrm>
-          <a:prstGeom prst="rect">
-            <a:avLst/>
-          </a:prstGeom>
-          <a:noFill/>
-          <a:extLst>
-            <a:ext uri="{909E8E84-426E-40DD-AFC4-6F175D3DCCD1}">
-              <a14:hiddenFill xmlns:a14="http://schemas.microsoft.com/office/drawing/2010/main">
-                <a:solidFill>
-                  <a:srgbClr val="FFFFFF"/>
-                </a:solidFill>
-              </a14:hiddenFill>
-            </a:ext>
-          </a:extLst>
-        </p:spPr>
-      </p:pic>
-      <p:sp>
-        <p:nvSpPr>
-          <p:cNvPr id="2" name="Title 1">
-            <a:extLst>
-              <a:ext uri="{FF2B5EF4-FFF2-40B4-BE49-F238E27FC236}">
-                <a16:creationId xmlns:a16="http://schemas.microsoft.com/office/drawing/2014/main" id="{844849AA-E622-4F7D-8941-71C937456B82}"/>
-              </a:ext>
-            </a:extLst>
-          </p:cNvPr>
-          <p:cNvSpPr>
-            <a:spLocks noGrp="1"/>
-          </p:cNvSpPr>
-          <p:nvPr>
-            <p:ph type="title"/>
-          </p:nvPr>
-        </p:nvSpPr>
-        <p:spPr/>
-        <p:txBody>
-          <a:bodyPr>
-            <a:normAutofit/>
-          </a:bodyPr>
-          <a:lstStyle/>
-          <a:p>
-            <a:r>
-              <a:rPr lang="en-US" sz="3600" b="1" dirty="0"/>
-              <a:t>Defining Your Own Functions</a:t>
-            </a:r>
-          </a:p>
-        </p:txBody>
-      </p:sp>
-      <p:sp>
-        <p:nvSpPr>
-          <p:cNvPr id="3" name="Content Placeholder 2">
-            <a:extLst>
-              <a:ext uri="{FF2B5EF4-FFF2-40B4-BE49-F238E27FC236}">
-                <a16:creationId xmlns:a16="http://schemas.microsoft.com/office/drawing/2014/main" id="{D0254071-BABD-4A6D-965B-5977BB6BD8B0}"/>
-              </a:ext>
-            </a:extLst>
-          </p:cNvPr>
-          <p:cNvSpPr>
-            <a:spLocks noGrp="1"/>
-          </p:cNvSpPr>
-          <p:nvPr>
-            <p:ph idx="1"/>
-          </p:nvPr>
-        </p:nvSpPr>
-        <p:spPr>
-          <a:xfrm>
-            <a:off x="838200" y="1825624"/>
-            <a:ext cx="6428874" cy="4835479"/>
-          </a:xfrm>
-        </p:spPr>
-        <p:txBody>
-          <a:bodyPr>
-            <a:normAutofit fontScale="92500" lnSpcReduction="10000"/>
-          </a:bodyPr>
-          <a:lstStyle/>
-          <a:p>
-            <a:r>
-              <a:rPr lang="en-US" sz="3200" dirty="0"/>
-              <a:t>The real power of functions is in defining your own</a:t>
-            </a:r>
-            <a:r>
-              <a:rPr lang="en-US" sz="3200" dirty="0">
-                <a:solidFill>
-                  <a:schemeClr val="accent2"/>
-                </a:solidFill>
-              </a:rPr>
-              <a:t>.</a:t>
-            </a:r>
-            <a:r>
-              <a:rPr lang="en-US" sz="3200" dirty="0"/>
-              <a:t> </a:t>
-            </a:r>
-          </a:p>
-          <a:p>
-            <a:r>
-              <a:rPr lang="en-US" sz="3200" dirty="0"/>
-              <a:t>Good programs typically consist of many small functions that call each other</a:t>
-            </a:r>
-            <a:r>
-              <a:rPr lang="en-US" sz="3200" dirty="0">
-                <a:solidFill>
-                  <a:schemeClr val="accent2"/>
-                </a:solidFill>
-              </a:rPr>
-              <a:t>.</a:t>
-            </a:r>
-            <a:r>
-              <a:rPr lang="en-US" sz="3200" dirty="0"/>
-              <a:t> </a:t>
-            </a:r>
-          </a:p>
-          <a:p>
-            <a:r>
-              <a:rPr lang="en-US" sz="3200" dirty="0"/>
-              <a:t>If you have a function that does </a:t>
-            </a:r>
-            <a:r>
-              <a:rPr lang="en-US" sz="3900" b="1" dirty="0">
-                <a:solidFill>
-                  <a:schemeClr val="accent2"/>
-                </a:solidFill>
-              </a:rPr>
-              <a:t>only one thing </a:t>
-            </a:r>
-            <a:r>
-              <a:rPr lang="en-US" sz="3200" dirty="0">
-                <a:solidFill>
-                  <a:schemeClr val="accent2"/>
-                </a:solidFill>
-              </a:rPr>
-              <a:t>(</a:t>
-            </a:r>
-            <a:r>
-              <a:rPr lang="en-US" sz="3200" dirty="0"/>
-              <a:t>like calculate the sine of an angle</a:t>
-            </a:r>
-            <a:r>
-              <a:rPr lang="en-US" sz="3200" dirty="0">
-                <a:solidFill>
-                  <a:schemeClr val="accent2"/>
-                </a:solidFill>
-              </a:rPr>
-              <a:t>),</a:t>
-            </a:r>
-            <a:r>
-              <a:rPr lang="en-US" sz="3200" dirty="0"/>
-              <a:t> it is likely not too large</a:t>
-            </a:r>
-            <a:r>
-              <a:rPr lang="en-US" sz="3200" dirty="0">
-                <a:solidFill>
-                  <a:schemeClr val="accent2"/>
-                </a:solidFill>
-              </a:rPr>
-              <a:t>.</a:t>
-            </a:r>
-          </a:p>
-          <a:p>
-            <a:r>
-              <a:rPr lang="en-US" sz="3200" dirty="0"/>
-              <a:t>If its not too large</a:t>
-            </a:r>
-            <a:r>
-              <a:rPr lang="en-US" sz="3200" dirty="0">
-                <a:solidFill>
-                  <a:schemeClr val="accent2"/>
-                </a:solidFill>
-              </a:rPr>
-              <a:t>,</a:t>
-            </a:r>
-            <a:r>
-              <a:rPr lang="en-US" sz="3200" dirty="0"/>
-              <a:t> it will be easy to test and maintain</a:t>
-            </a:r>
-            <a:r>
-              <a:rPr lang="en-US" sz="3200" dirty="0">
-                <a:solidFill>
-                  <a:schemeClr val="accent2"/>
-                </a:solidFill>
-              </a:rPr>
-              <a:t>.</a:t>
-            </a:r>
-          </a:p>
-        </p:txBody>
-      </p:sp>
-    </p:spTree>
-    <p:extLst>
-      <p:ext uri="{BB962C8B-B14F-4D97-AF65-F5344CB8AC3E}">
-        <p14:creationId xmlns:p14="http://schemas.microsoft.com/office/powerpoint/2010/main" val="1674347301"/>
-      </p:ext>
-    </p:extLst>
-  </p:cSld>
-  <p:clrMapOvr>
-    <a:masterClrMapping/>
-  </p:clrMapOvr>
-</p:sld>
-</file>
-
-<file path=ppt/slides/slide5.xml><?xml version="1.0" encoding="utf-8"?>
-<p:sld xmlns:a="http://schemas.openxmlformats.org/drawingml/2006/main" xmlns:r="http://schemas.openxmlformats.org/officeDocument/2006/relationships" xmlns:p="http://schemas.openxmlformats.org/presentationml/2006/main">
-  <p:cSld>
-    <p:spTree>
-      <p:nvGrpSpPr>
-        <p:cNvPr id="1" name=""/>
-        <p:cNvGrpSpPr/>
-        <p:nvPr/>
-      </p:nvGrpSpPr>
-      <p:grpSpPr>
-        <a:xfrm>
-          <a:off x="0" y="0"/>
-          <a:ext cx="0" cy="0"/>
-          <a:chOff x="0" y="0"/>
-          <a:chExt cx="0" cy="0"/>
-        </a:xfrm>
-      </p:grpSpPr>
       <p:sp>
         <p:nvSpPr>
           <p:cNvPr id="4" name="Title 3">
@@ -11443,6 +11104,503 @@
     <p:extLst>
       <p:ext uri="{BB962C8B-B14F-4D97-AF65-F5344CB8AC3E}">
         <p14:creationId xmlns:p14="http://schemas.microsoft.com/office/powerpoint/2010/main" val="3693851609"/>
+      </p:ext>
+    </p:extLst>
+  </p:cSld>
+  <p:clrMapOvr>
+    <a:masterClrMapping/>
+  </p:clrMapOvr>
+</p:sld>
+</file>
+
+<file path=ppt/slides/slide5.xml><?xml version="1.0" encoding="utf-8"?>
+<p:sld xmlns:a="http://schemas.openxmlformats.org/drawingml/2006/main" xmlns:r="http://schemas.openxmlformats.org/officeDocument/2006/relationships" xmlns:p="http://schemas.openxmlformats.org/presentationml/2006/main">
+  <p:cSld>
+    <p:spTree>
+      <p:nvGrpSpPr>
+        <p:cNvPr id="1" name=""/>
+        <p:cNvGrpSpPr/>
+        <p:nvPr/>
+      </p:nvGrpSpPr>
+      <p:grpSpPr>
+        <a:xfrm>
+          <a:off x="0" y="0"/>
+          <a:ext cx="0" cy="0"/>
+          <a:chOff x="0" y="0"/>
+          <a:chExt cx="0" cy="0"/>
+        </a:xfrm>
+      </p:grpSpPr>
+      <p:sp>
+        <p:nvSpPr>
+          <p:cNvPr id="4" name="Title 3">
+            <a:extLst>
+              <a:ext uri="{FF2B5EF4-FFF2-40B4-BE49-F238E27FC236}">
+                <a16:creationId xmlns:a16="http://schemas.microsoft.com/office/drawing/2014/main" id="{0EB27ED3-99BE-43B6-86FA-80909274D493}"/>
+              </a:ext>
+            </a:extLst>
+          </p:cNvPr>
+          <p:cNvSpPr>
+            <a:spLocks noGrp="1"/>
+          </p:cNvSpPr>
+          <p:nvPr>
+            <p:ph type="title"/>
+          </p:nvPr>
+        </p:nvSpPr>
+        <p:spPr/>
+        <p:txBody>
+          <a:bodyPr>
+            <a:normAutofit fontScale="90000"/>
+          </a:bodyPr>
+          <a:lstStyle/>
+          <a:p>
+            <a:r>
+              <a:rPr lang="en-US" b="1" dirty="0"/>
+              <a:t>Function Definitions</a:t>
+            </a:r>
+            <a:endParaRPr lang="en-US" dirty="0"/>
+          </a:p>
+        </p:txBody>
+      </p:sp>
+      <p:sp>
+        <p:nvSpPr>
+          <p:cNvPr id="6" name="TextBox 5">
+            <a:extLst>
+              <a:ext uri="{FF2B5EF4-FFF2-40B4-BE49-F238E27FC236}">
+                <a16:creationId xmlns:a16="http://schemas.microsoft.com/office/drawing/2014/main" id="{7D79B1C4-D919-469A-8797-07B7F6DC5475}"/>
+              </a:ext>
+            </a:extLst>
+          </p:cNvPr>
+          <p:cNvSpPr txBox="1"/>
+          <p:nvPr/>
+        </p:nvSpPr>
+        <p:spPr>
+          <a:xfrm>
+            <a:off x="6298243" y="727514"/>
+            <a:ext cx="5721308" cy="830997"/>
+          </a:xfrm>
+          <a:prstGeom prst="rect">
+            <a:avLst/>
+          </a:prstGeom>
+          <a:noFill/>
+        </p:spPr>
+        <p:txBody>
+          <a:bodyPr wrap="square" rtlCol="0">
+            <a:spAutoFit/>
+          </a:bodyPr>
+          <a:lstStyle/>
+          <a:p>
+            <a:r>
+              <a:rPr lang="en-US" sz="2400" b="1" dirty="0">
+                <a:solidFill>
+                  <a:srgbClr val="00FF00"/>
+                </a:solidFill>
+                <a:latin typeface="Courier New" panose="02070309020205020404" pitchFamily="49" charset="0"/>
+                <a:cs typeface="Courier New" panose="02070309020205020404" pitchFamily="49" charset="0"/>
+              </a:rPr>
+              <a:t>def function_body(parameters):</a:t>
+            </a:r>
+          </a:p>
+          <a:p>
+            <a:r>
+              <a:rPr lang="en-US" sz="2400" b="1" dirty="0">
+                <a:solidFill>
+                  <a:srgbClr val="00FF00"/>
+                </a:solidFill>
+                <a:latin typeface="Courier New" panose="02070309020205020404" pitchFamily="49" charset="0"/>
+                <a:cs typeface="Courier New" panose="02070309020205020404" pitchFamily="49" charset="0"/>
+              </a:rPr>
+              <a:t>    body</a:t>
+            </a:r>
+          </a:p>
+        </p:txBody>
+      </p:sp>
+      <p:sp>
+        <p:nvSpPr>
+          <p:cNvPr id="20" name="Content Placeholder 2">
+            <a:extLst>
+              <a:ext uri="{FF2B5EF4-FFF2-40B4-BE49-F238E27FC236}">
+                <a16:creationId xmlns:a16="http://schemas.microsoft.com/office/drawing/2014/main" id="{2C093C5F-CE5F-4416-9C1B-7E0D243D37DC}"/>
+              </a:ext>
+            </a:extLst>
+          </p:cNvPr>
+          <p:cNvSpPr>
+            <a:spLocks noGrp="1"/>
+          </p:cNvSpPr>
+          <p:nvPr>
+            <p:ph idx="1"/>
+          </p:nvPr>
+        </p:nvSpPr>
+        <p:spPr>
+          <a:xfrm>
+            <a:off x="838200" y="1825624"/>
+            <a:ext cx="10515600" cy="4835479"/>
+          </a:xfrm>
+        </p:spPr>
+        <p:txBody>
+          <a:bodyPr>
+            <a:normAutofit lnSpcReduction="10000"/>
+          </a:bodyPr>
+          <a:lstStyle/>
+          <a:p>
+            <a:r>
+              <a:rPr lang="en-US" b="1" dirty="0">
+                <a:solidFill>
+                  <a:srgbClr val="00FF00"/>
+                </a:solidFill>
+                <a:latin typeface="Courier New" panose="02070309020205020404" pitchFamily="49" charset="0"/>
+                <a:cs typeface="Courier New" panose="02070309020205020404" pitchFamily="49" charset="0"/>
+              </a:rPr>
+              <a:t>def</a:t>
+            </a:r>
+            <a:r>
+              <a:rPr lang="en-US" dirty="0"/>
+              <a:t> </a:t>
+            </a:r>
+            <a:r>
+              <a:rPr lang="en-US" dirty="0">
+                <a:solidFill>
+                  <a:schemeClr val="accent2"/>
+                </a:solidFill>
+              </a:rPr>
+              <a:t>-</a:t>
+            </a:r>
+            <a:r>
+              <a:rPr lang="en-US" dirty="0"/>
+              <a:t> is a keyword, standing for </a:t>
+            </a:r>
+            <a:r>
+              <a:rPr lang="en-US" dirty="0">
+                <a:solidFill>
+                  <a:schemeClr val="accent6"/>
+                </a:solidFill>
+              </a:rPr>
+              <a:t>"</a:t>
+            </a:r>
+            <a:r>
+              <a:rPr lang="en-US" dirty="0"/>
+              <a:t>definition</a:t>
+            </a:r>
+            <a:r>
+              <a:rPr lang="en-US" dirty="0">
+                <a:solidFill>
+                  <a:schemeClr val="accent6"/>
+                </a:solidFill>
+              </a:rPr>
+              <a:t>"</a:t>
+            </a:r>
+            <a:r>
+              <a:rPr lang="en-US" dirty="0">
+                <a:solidFill>
+                  <a:schemeClr val="accent2"/>
+                </a:solidFill>
+              </a:rPr>
+              <a:t>.</a:t>
+            </a:r>
+            <a:r>
+              <a:rPr lang="en-US" dirty="0"/>
+              <a:t> All function definitions must begin with </a:t>
+            </a:r>
+            <a:r>
+              <a:rPr lang="en-US" b="1" dirty="0">
+                <a:solidFill>
+                  <a:srgbClr val="00FF00"/>
+                </a:solidFill>
+                <a:latin typeface="Courier New" panose="02070309020205020404" pitchFamily="49" charset="0"/>
+                <a:cs typeface="Courier New" panose="02070309020205020404" pitchFamily="49" charset="0"/>
+              </a:rPr>
+              <a:t>def</a:t>
+            </a:r>
+            <a:r>
+              <a:rPr lang="en-US" dirty="0">
+                <a:solidFill>
+                  <a:schemeClr val="accent1"/>
+                </a:solidFill>
+              </a:rPr>
+              <a:t>.</a:t>
+            </a:r>
+            <a:r>
+              <a:rPr lang="en-US" dirty="0"/>
+              <a:t> The </a:t>
+            </a:r>
+            <a:r>
+              <a:rPr lang="en-US" b="1" dirty="0">
+                <a:solidFill>
+                  <a:srgbClr val="00FF00"/>
+                </a:solidFill>
+                <a:latin typeface="Courier New" panose="02070309020205020404" pitchFamily="49" charset="0"/>
+                <a:cs typeface="Courier New" panose="02070309020205020404" pitchFamily="49" charset="0"/>
+              </a:rPr>
+              <a:t>def</a:t>
+            </a:r>
+            <a:r>
+              <a:rPr lang="en-US" dirty="0"/>
+              <a:t> statement must end with a colon</a:t>
+            </a:r>
+            <a:r>
+              <a:rPr lang="en-US" dirty="0">
+                <a:solidFill>
+                  <a:schemeClr val="accent1"/>
+                </a:solidFill>
+              </a:rPr>
+              <a:t>.</a:t>
+            </a:r>
+          </a:p>
+          <a:p>
+            <a:r>
+              <a:rPr lang="en-US" b="1" dirty="0">
+                <a:solidFill>
+                  <a:srgbClr val="00FF00"/>
+                </a:solidFill>
+                <a:latin typeface="Courier New" panose="02070309020205020404" pitchFamily="49" charset="0"/>
+                <a:cs typeface="Courier New" panose="02070309020205020404" pitchFamily="49" charset="0"/>
+              </a:rPr>
+              <a:t>function_name</a:t>
+            </a:r>
+            <a:r>
+              <a:rPr lang="en-US" dirty="0"/>
+              <a:t> </a:t>
+            </a:r>
+            <a:r>
+              <a:rPr lang="en-US" dirty="0">
+                <a:solidFill>
+                  <a:schemeClr val="accent2"/>
+                </a:solidFill>
+              </a:rPr>
+              <a:t>- </a:t>
+            </a:r>
+            <a:r>
+              <a:rPr lang="en-US" dirty="0"/>
+              <a:t>is the name you will use to call the function </a:t>
+            </a:r>
+            <a:r>
+              <a:rPr lang="en-US" dirty="0">
+                <a:solidFill>
+                  <a:schemeClr val="accent6"/>
+                </a:solidFill>
+              </a:rPr>
+              <a:t>(</a:t>
+            </a:r>
+            <a:r>
+              <a:rPr lang="en-US" dirty="0"/>
+              <a:t>like sin, abs but you need to create your own name</a:t>
+            </a:r>
+            <a:r>
+              <a:rPr lang="en-US" dirty="0">
+                <a:solidFill>
+                  <a:schemeClr val="accent6"/>
+                </a:solidFill>
+              </a:rPr>
+              <a:t>)</a:t>
+            </a:r>
+            <a:r>
+              <a:rPr lang="en-US" dirty="0">
+                <a:solidFill>
+                  <a:schemeClr val="accent2"/>
+                </a:solidFill>
+              </a:rPr>
+              <a:t>.</a:t>
+            </a:r>
+          </a:p>
+          <a:p>
+            <a:r>
+              <a:rPr lang="en-US" b="1" dirty="0">
+                <a:solidFill>
+                  <a:srgbClr val="00FF00"/>
+                </a:solidFill>
+                <a:latin typeface="Courier New" panose="02070309020205020404" pitchFamily="49" charset="0"/>
+                <a:cs typeface="Courier New" panose="02070309020205020404" pitchFamily="49" charset="0"/>
+              </a:rPr>
+              <a:t>parameters</a:t>
+            </a:r>
+            <a:r>
+              <a:rPr lang="en-US" dirty="0"/>
+              <a:t> </a:t>
+            </a:r>
+            <a:r>
+              <a:rPr lang="en-US" dirty="0">
+                <a:solidFill>
+                  <a:schemeClr val="accent2"/>
+                </a:solidFill>
+              </a:rPr>
+              <a:t>-</a:t>
+            </a:r>
+            <a:r>
+              <a:rPr lang="en-US" dirty="0"/>
+              <a:t> are the variables that get values when you call the function</a:t>
+            </a:r>
+            <a:r>
+              <a:rPr lang="en-US" dirty="0">
+                <a:solidFill>
+                  <a:schemeClr val="accent1"/>
+                </a:solidFill>
+              </a:rPr>
+              <a:t>.</a:t>
+            </a:r>
+            <a:r>
+              <a:rPr lang="en-US" dirty="0"/>
+              <a:t> You can have 0 or more parameters</a:t>
+            </a:r>
+            <a:r>
+              <a:rPr lang="en-US" dirty="0">
+                <a:solidFill>
+                  <a:schemeClr val="accent2"/>
+                </a:solidFill>
+              </a:rPr>
+              <a:t>,</a:t>
+            </a:r>
+            <a:r>
+              <a:rPr lang="en-US" dirty="0"/>
+              <a:t> separated by commas</a:t>
+            </a:r>
+            <a:r>
+              <a:rPr lang="en-US" dirty="0">
+                <a:solidFill>
+                  <a:schemeClr val="accent2"/>
+                </a:solidFill>
+              </a:rPr>
+              <a:t>.</a:t>
+            </a:r>
+            <a:r>
+              <a:rPr lang="en-US" dirty="0"/>
+              <a:t> Must be in parenthesis</a:t>
+            </a:r>
+            <a:r>
+              <a:rPr lang="en-US" dirty="0">
+                <a:solidFill>
+                  <a:schemeClr val="accent2"/>
+                </a:solidFill>
+              </a:rPr>
+              <a:t>.</a:t>
+            </a:r>
+          </a:p>
+          <a:p>
+            <a:r>
+              <a:rPr lang="en-US" b="1" dirty="0">
+                <a:solidFill>
+                  <a:srgbClr val="00FF00"/>
+                </a:solidFill>
+                <a:latin typeface="Courier New" panose="02070309020205020404" pitchFamily="49" charset="0"/>
+                <a:cs typeface="Courier New" panose="02070309020205020404" pitchFamily="49" charset="0"/>
+              </a:rPr>
+              <a:t>body</a:t>
+            </a:r>
+            <a:r>
+              <a:rPr lang="en-US" dirty="0"/>
+              <a:t> </a:t>
+            </a:r>
+            <a:r>
+              <a:rPr lang="en-US" dirty="0">
+                <a:solidFill>
+                  <a:schemeClr val="accent2"/>
+                </a:solidFill>
+              </a:rPr>
+              <a:t>-</a:t>
+            </a:r>
+            <a:r>
+              <a:rPr lang="en-US" dirty="0"/>
+              <a:t> body is a sequence of commands like we've already seen </a:t>
+            </a:r>
+            <a:r>
+              <a:rPr lang="en-US" dirty="0">
+                <a:solidFill>
+                  <a:schemeClr val="accent6"/>
+                </a:solidFill>
+              </a:rPr>
+              <a:t>(</a:t>
+            </a:r>
+            <a:r>
+              <a:rPr lang="en-US" dirty="0"/>
+              <a:t>assignment</a:t>
+            </a:r>
+            <a:r>
+              <a:rPr lang="en-US" dirty="0">
+                <a:solidFill>
+                  <a:schemeClr val="accent1"/>
+                </a:solidFill>
+              </a:rPr>
+              <a:t>,</a:t>
+            </a:r>
+            <a:r>
+              <a:rPr lang="en-US" dirty="0"/>
+              <a:t> multiplication</a:t>
+            </a:r>
+            <a:r>
+              <a:rPr lang="en-US" dirty="0">
+                <a:solidFill>
+                  <a:schemeClr val="accent1"/>
+                </a:solidFill>
+              </a:rPr>
+              <a:t>,</a:t>
+            </a:r>
+            <a:r>
+              <a:rPr lang="en-US" dirty="0"/>
+              <a:t> function calls</a:t>
+            </a:r>
+            <a:r>
+              <a:rPr lang="en-US" dirty="0">
+                <a:solidFill>
+                  <a:schemeClr val="accent6"/>
+                </a:solidFill>
+              </a:rPr>
+              <a:t>)</a:t>
+            </a:r>
+            <a:r>
+              <a:rPr lang="en-US" dirty="0">
+                <a:solidFill>
+                  <a:schemeClr val="accent2"/>
+                </a:solidFill>
+              </a:rPr>
+              <a:t>.</a:t>
+            </a:r>
+          </a:p>
+          <a:p>
+            <a:r>
+              <a:rPr lang="en-US" dirty="0">
+                <a:solidFill>
+                  <a:schemeClr val="accent6"/>
+                </a:solidFill>
+              </a:rPr>
+              <a:t>Important</a:t>
+            </a:r>
+            <a:r>
+              <a:rPr lang="en-US" dirty="0">
+                <a:solidFill>
+                  <a:schemeClr val="accent2"/>
+                </a:solidFill>
+              </a:rPr>
+              <a:t>:</a:t>
+            </a:r>
+            <a:r>
+              <a:rPr lang="en-US" dirty="0"/>
+              <a:t> all the lines of body must be indented</a:t>
+            </a:r>
+            <a:r>
+              <a:rPr lang="en-US" dirty="0">
+                <a:solidFill>
+                  <a:schemeClr val="accent2"/>
+                </a:solidFill>
+              </a:rPr>
+              <a:t>.</a:t>
+            </a:r>
+            <a:r>
+              <a:rPr lang="en-US" dirty="0"/>
+              <a:t> That is how Python knows that they are part of the function</a:t>
+            </a:r>
+            <a:r>
+              <a:rPr lang="en-US" dirty="0">
+                <a:solidFill>
+                  <a:schemeClr val="accent2"/>
+                </a:solidFill>
+              </a:rPr>
+              <a:t>.</a:t>
+            </a:r>
+          </a:p>
+        </p:txBody>
+      </p:sp>
+    </p:spTree>
+    <p:extLst>
+      <p:ext uri="{BB962C8B-B14F-4D97-AF65-F5344CB8AC3E}">
+        <p14:creationId xmlns:p14="http://schemas.microsoft.com/office/powerpoint/2010/main" val="3642592656"/>
       </p:ext>
     </p:extLst>
   </p:cSld>
@@ -11712,7 +11870,7 @@
                 <a:latin typeface="Courier New" panose="02070309020205020404" pitchFamily="49" charset="0"/>
                 <a:cs typeface="Courier New" panose="02070309020205020404" pitchFamily="49" charset="0"/>
               </a:rPr>
-              <a:t>Code the does the thing</a:t>
+              <a:t>Code that does the thing</a:t>
             </a:r>
           </a:p>
           <a:p>
@@ -12448,7 +12606,7 @@
         </p:nvSpPr>
         <p:spPr>
           <a:xfrm>
-            <a:off x="577520" y="3805761"/>
+            <a:off x="1239256" y="3633845"/>
             <a:ext cx="6397905" cy="2092881"/>
           </a:xfrm>
           <a:prstGeom prst="rect">

--- a/lectures/week2/lecture2/slides/week2_lecture2.pptx
+++ b/lectures/week2/lecture2/slides/week2_lecture2.pptx
@@ -16858,7 +16858,7 @@
                 <a:latin typeface="Courier New" panose="02070309020205020404" pitchFamily="49" charset="0"/>
                 <a:cs typeface="Courier New" panose="02070309020205020404" pitchFamily="49" charset="0"/>
               </a:rPr>
-              <a:t> [expression]</a:t>
+              <a:t> expression</a:t>
             </a:r>
           </a:p>
           <a:p>
